--- a/obhajoba.pptx
+++ b/obhajoba.pptx
@@ -11,8 +11,8 @@
     <p:sldId id="256" r:id="rId2"/>
     <p:sldId id="257" r:id="rId3"/>
     <p:sldId id="259" r:id="rId4"/>
-    <p:sldId id="260" r:id="rId5"/>
-    <p:sldId id="261" r:id="rId6"/>
+    <p:sldId id="264" r:id="rId5"/>
+    <p:sldId id="260" r:id="rId6"/>
     <p:sldId id="262" r:id="rId7"/>
     <p:sldId id="263" r:id="rId8"/>
     <p:sldId id="258" r:id="rId9"/>
@@ -215,7 +215,7 @@
           <a:p>
             <a:fld id="{BC8ECA7B-8D20-4BD3-B400-7B6A5FF1F7C5}" type="datetimeFigureOut">
               <a:rPr lang="cs-CZ" smtClean="0"/>
-              <a:t>15. 1. 2015</a:t>
+              <a:t>28. 5. 2015</a:t>
             </a:fld>
             <a:endParaRPr lang="cs-CZ"/>
           </a:p>
@@ -798,7 +798,7 @@
           <a:p>
             <a:fld id="{4CE2FAAD-62F5-466F-BB22-1F87357387D7}" type="datetime4">
               <a:rPr lang="cs-CZ" smtClean="0"/>
-              <a:t>15. ledna 2015</a:t>
+              <a:t>28. května 2015</a:t>
             </a:fld>
             <a:endParaRPr lang="en-US" dirty="0"/>
           </a:p>
@@ -1082,7 +1082,7 @@
           <a:p>
             <a:fld id="{BC8AFEA6-3834-45E6-91EB-028063508867}" type="datetime4">
               <a:rPr lang="cs-CZ" smtClean="0"/>
-              <a:t>15. ledna 2015</a:t>
+              <a:t>28. května 2015</a:t>
             </a:fld>
             <a:endParaRPr lang="en-US"/>
           </a:p>
@@ -1295,7 +1295,7 @@
           <a:p>
             <a:fld id="{4CE2FAAD-62F5-466F-BB22-1F87357387D7}" type="datetime4">
               <a:rPr lang="cs-CZ" smtClean="0"/>
-              <a:t>15. ledna 2015</a:t>
+              <a:t>28. května 2015</a:t>
             </a:fld>
             <a:endParaRPr lang="en-US" dirty="0"/>
           </a:p>
@@ -1536,7 +1536,7 @@
           <a:p>
             <a:fld id="{64786429-FE37-48F4-BB59-6D717BADDCB5}" type="datetime4">
               <a:rPr lang="cs-CZ" smtClean="0"/>
-              <a:t>15. ledna 2015</a:t>
+              <a:t>28. května 2015</a:t>
             </a:fld>
             <a:endParaRPr lang="en-US"/>
           </a:p>
@@ -2104,19 +2104,24 @@
           <a:p>
             <a:r>
               <a:rPr lang="cs-CZ" dirty="0" smtClean="0"/>
+              <a:t>Výběr vhodné technologie</a:t>
+            </a:r>
+            <a:endParaRPr lang="cs-CZ" dirty="0" smtClean="0"/>
+          </a:p>
+          <a:p>
+            <a:r>
+              <a:rPr lang="cs-CZ" dirty="0"/>
               <a:t>Konkrétní technické řešení</a:t>
             </a:r>
           </a:p>
           <a:p>
             <a:r>
               <a:rPr lang="cs-CZ" dirty="0" smtClean="0"/>
-              <a:t>???</a:t>
-            </a:r>
-          </a:p>
-          <a:p>
-            <a:r>
-              <a:rPr lang="cs-CZ" dirty="0" smtClean="0"/>
-              <a:t>Budoucí záměr a rozvoj sítě</a:t>
+              <a:t>Budoucí </a:t>
+            </a:r>
+            <a:r>
+              <a:rPr lang="cs-CZ" dirty="0" smtClean="0"/>
+              <a:t>záměr a rozvoj sítě</a:t>
             </a:r>
           </a:p>
           <a:p>
@@ -2222,26 +2227,57 @@
           <a:p>
             <a:r>
               <a:rPr lang="cs-CZ" dirty="0" smtClean="0"/>
-              <a:t>Snadná ovladatelnost sítě a co největší flexibilita</a:t>
-            </a:r>
-          </a:p>
-          <a:p>
-            <a:r>
-              <a:rPr lang="cs-CZ" dirty="0" smtClean="0"/>
-              <a:t>Vysoká rychlost a spolehlivost</a:t>
-            </a:r>
-          </a:p>
-          <a:p>
-            <a:r>
-              <a:rPr lang="cs-CZ" dirty="0" smtClean="0"/>
-              <a:t>Jednoduchá rozšiřitelnost</a:t>
-            </a:r>
-          </a:p>
-          <a:p>
-            <a:r>
-              <a:rPr lang="cs-CZ" dirty="0" smtClean="0"/>
-              <a:t>RESP protokol</a:t>
-            </a:r>
+              <a:t>Snadná ovladatelnost sítě a co největší </a:t>
+            </a:r>
+            <a:r>
+              <a:rPr lang="cs-CZ" b="1" dirty="0" smtClean="0"/>
+              <a:t>flexibilita</a:t>
+            </a:r>
+            <a:r>
+              <a:rPr lang="cs-CZ" dirty="0" smtClean="0"/>
+              <a:t> sítě</a:t>
+            </a:r>
+            <a:endParaRPr lang="cs-CZ" dirty="0" smtClean="0"/>
+          </a:p>
+          <a:p>
+            <a:r>
+              <a:rPr lang="cs-CZ" dirty="0" smtClean="0"/>
+              <a:t>Vysoká </a:t>
+            </a:r>
+            <a:r>
+              <a:rPr lang="cs-CZ" b="1" dirty="0" smtClean="0"/>
+              <a:t>rychlost</a:t>
+            </a:r>
+            <a:r>
+              <a:rPr lang="cs-CZ" dirty="0" smtClean="0"/>
+              <a:t> a spolehlivost</a:t>
+            </a:r>
+          </a:p>
+          <a:p>
+            <a:r>
+              <a:rPr lang="cs-CZ" dirty="0" smtClean="0"/>
+              <a:t>Jednoduchá </a:t>
+            </a:r>
+            <a:r>
+              <a:rPr lang="cs-CZ" b="1" dirty="0" smtClean="0"/>
+              <a:t>rozšiřitelnost</a:t>
+            </a:r>
+            <a:r>
+              <a:rPr lang="cs-CZ" dirty="0" smtClean="0"/>
+              <a:t> sítě</a:t>
+            </a:r>
+            <a:endParaRPr lang="cs-CZ" dirty="0" smtClean="0"/>
+          </a:p>
+          <a:p>
+            <a:r>
+              <a:rPr lang="cs-CZ" dirty="0" smtClean="0"/>
+              <a:t>Síť si musí být založena na přenosu </a:t>
+            </a:r>
+            <a:r>
+              <a:rPr lang="cs-CZ" b="1" dirty="0" smtClean="0"/>
+              <a:t>informací</a:t>
+            </a:r>
+            <a:endParaRPr lang="cs-CZ" b="1" dirty="0" smtClean="0"/>
           </a:p>
           <a:p>
             <a:endParaRPr lang="cs-CZ" dirty="0"/>
@@ -2306,16 +2342,105 @@
         </p:nvSpPr>
         <p:spPr/>
         <p:txBody>
-          <a:bodyPr>
-            <a:normAutofit/>
+          <a:bodyPr/>
+          <a:lstStyle/>
+          <a:p>
+            <a:r>
+              <a:rPr lang="cs-CZ" dirty="0" smtClean="0"/>
+              <a:t>Výběr vhodné technologie</a:t>
+            </a:r>
+            <a:endParaRPr lang="cs-CZ" dirty="0"/>
+          </a:p>
+        </p:txBody>
+      </p:sp>
+      <p:pic>
+        <p:nvPicPr>
+          <p:cNvPr id="4" name="Picture 3"/>
+          <p:cNvPicPr>
+            <a:picLocks noChangeAspect="1"/>
+          </p:cNvPicPr>
+          <p:nvPr/>
+        </p:nvPicPr>
+        <p:blipFill>
+          <a:blip r:embed="rId2">
+            <a:extLst>
+              <a:ext uri="{28A0092B-C50C-407E-A947-70E740481C1C}">
+                <a14:useLocalDpi xmlns:a14="http://schemas.microsoft.com/office/drawing/2010/main" val="0"/>
+              </a:ext>
+            </a:extLst>
+          </a:blip>
+          <a:stretch>
+            <a:fillRect/>
+          </a:stretch>
+        </p:blipFill>
+        <p:spPr>
+          <a:xfrm rot="5400000">
+            <a:off x="8123101" y="2494070"/>
+            <a:ext cx="4193613" cy="3172173"/>
+          </a:xfrm>
+          <a:prstGeom prst="rect">
+            <a:avLst/>
+          </a:prstGeom>
+        </p:spPr>
+      </p:pic>
+      <p:sp>
+        <p:nvSpPr>
+          <p:cNvPr id="5" name="TextBox 4"/>
+          <p:cNvSpPr txBox="1"/>
+          <p:nvPr/>
+        </p:nvSpPr>
+        <p:spPr>
+          <a:xfrm>
+            <a:off x="8633821" y="6208015"/>
+            <a:ext cx="3078051" cy="523220"/>
+          </a:xfrm>
+          <a:prstGeom prst="rect">
+            <a:avLst/>
+          </a:prstGeom>
+          <a:noFill/>
+        </p:spPr>
+        <p:txBody>
+          <a:bodyPr wrap="square" rtlCol="0">
+            <a:spAutoFit/>
           </a:bodyPr>
           <a:lstStyle/>
           <a:p>
-            <a:r>
-              <a:rPr lang="cs-CZ" dirty="0" smtClean="0"/>
-              <a:t>Konkrétní technické řešení</a:t>
-            </a:r>
-            <a:endParaRPr lang="cs-CZ" dirty="0"/>
+            <a:pPr algn="ctr"/>
+            <a:r>
+              <a:rPr lang="cs-CZ" sz="1400" dirty="0">
+                <a:latin typeface="Segoe UI Light" panose="020B0502040204020203" pitchFamily="34" charset="0"/>
+                <a:cs typeface="Segoe UI Light" panose="020B0502040204020203" pitchFamily="34" charset="0"/>
+              </a:rPr>
+              <a:t>Použitá vývojová deska MB786 </a:t>
+            </a:r>
+            <a:r>
+              <a:rPr lang="cs-CZ" sz="1400" dirty="0" err="1" smtClean="0">
+                <a:latin typeface="Segoe UI Light" panose="020B0502040204020203" pitchFamily="34" charset="0"/>
+                <a:cs typeface="Segoe UI Light" panose="020B0502040204020203" pitchFamily="34" charset="0"/>
+              </a:rPr>
+              <a:t>rev.B</a:t>
+            </a:r>
+            <a:endParaRPr lang="cs-CZ" sz="1400" dirty="0" smtClean="0">
+              <a:latin typeface="Segoe UI Light" panose="020B0502040204020203" pitchFamily="34" charset="0"/>
+              <a:cs typeface="Segoe UI Light" panose="020B0502040204020203" pitchFamily="34" charset="0"/>
+            </a:endParaRPr>
+          </a:p>
+          <a:p>
+            <a:pPr algn="ctr"/>
+            <a:r>
+              <a:rPr lang="cs-CZ" sz="1400" dirty="0" smtClean="0">
+                <a:latin typeface="Segoe UI Light" panose="020B0502040204020203" pitchFamily="34" charset="0"/>
+                <a:cs typeface="Segoe UI Light" panose="020B0502040204020203" pitchFamily="34" charset="0"/>
+              </a:rPr>
+              <a:t>zdroj</a:t>
+            </a:r>
+            <a:r>
+              <a:rPr lang="cs-CZ" sz="1400" dirty="0">
+                <a:latin typeface="Segoe UI Light" panose="020B0502040204020203" pitchFamily="34" charset="0"/>
+                <a:cs typeface="Segoe UI Light" panose="020B0502040204020203" pitchFamily="34" charset="0"/>
+              </a:rPr>
+              <a:t>: http://bit.ly/1Kor8OH</a:t>
+            </a:r>
           </a:p>
         </p:txBody>
       </p:sp>
@@ -2329,7 +2454,12 @@
             <p:ph idx="1"/>
           </p:nvPr>
         </p:nvSpPr>
-        <p:spPr/>
+        <p:spPr>
+          <a:xfrm>
+            <a:off x="838200" y="1825625"/>
+            <a:ext cx="7533068" cy="4351338"/>
+          </a:xfrm>
+        </p:spPr>
         <p:txBody>
           <a:bodyPr/>
           <a:lstStyle/>
@@ -2338,113 +2468,135 @@
           </a:p>
           <a:p>
             <a:r>
-              <a:rPr lang="cs-CZ" dirty="0" smtClean="0"/>
-              <a:t>STM32Fxxx procesory na straně koncentrátorů + periferie</a:t>
-            </a:r>
-          </a:p>
-          <a:p>
-            <a:r>
-              <a:rPr lang="cs-CZ" dirty="0" smtClean="0"/>
-              <a:t>Node.js + </a:t>
+              <a:rPr lang="cs-CZ" dirty="0" err="1" smtClean="0"/>
+              <a:t>Mikrokontroléry</a:t>
+            </a:r>
+            <a:r>
+              <a:rPr lang="cs-CZ" dirty="0" smtClean="0"/>
+              <a:t> od </a:t>
+            </a:r>
+            <a:r>
+              <a:rPr lang="cs-CZ" dirty="0" err="1" smtClean="0"/>
+              <a:t>STMicroelecronics</a:t>
+            </a:r>
+            <a:endParaRPr lang="cs-CZ" dirty="0" smtClean="0"/>
+          </a:p>
+          <a:p>
+            <a:r>
+              <a:rPr lang="cs-CZ" dirty="0" smtClean="0"/>
+              <a:t>Real-</a:t>
+            </a:r>
+            <a:r>
+              <a:rPr lang="cs-CZ" dirty="0" err="1" smtClean="0"/>
+              <a:t>time</a:t>
+            </a:r>
+            <a:r>
+              <a:rPr lang="cs-CZ" dirty="0" smtClean="0"/>
+              <a:t> </a:t>
+            </a:r>
+            <a:r>
+              <a:rPr lang="cs-CZ" dirty="0" err="1" smtClean="0"/>
+              <a:t>JavaScriptový</a:t>
+            </a:r>
+            <a:r>
+              <a:rPr lang="cs-CZ" dirty="0" smtClean="0"/>
+              <a:t> server Node.js</a:t>
+            </a:r>
+          </a:p>
+          <a:p>
+            <a:r>
+              <a:rPr lang="cs-CZ" dirty="0" smtClean="0"/>
+              <a:t>Databázový server </a:t>
             </a:r>
             <a:r>
               <a:rPr lang="cs-CZ" dirty="0" err="1" smtClean="0"/>
               <a:t>Redis</a:t>
             </a:r>
-            <a:r>
-              <a:rPr lang="cs-CZ" dirty="0" smtClean="0"/>
-              <a:t> databáze na straně serveru</a:t>
-            </a:r>
-          </a:p>
-          <a:p>
-            <a:r>
-              <a:rPr lang="cs-CZ" dirty="0" smtClean="0"/>
-              <a:t>Sails.js + </a:t>
-            </a:r>
+            <a:endParaRPr lang="cs-CZ" dirty="0" smtClean="0"/>
+          </a:p>
+          <a:p>
+            <a:r>
+              <a:rPr lang="cs-CZ" dirty="0" smtClean="0"/>
+              <a:t>Webový framework Sails.js</a:t>
+            </a:r>
+          </a:p>
+          <a:p>
             <a:r>
               <a:rPr lang="cs-CZ" dirty="0" err="1" smtClean="0"/>
-              <a:t>Websocket</a:t>
-            </a:r>
-            <a:r>
-              <a:rPr lang="cs-CZ" dirty="0" smtClean="0"/>
-              <a:t> na straně obsluhy sítě</a:t>
-            </a:r>
+              <a:t>Websockety</a:t>
+            </a:r>
+            <a:endParaRPr lang="cs-CZ" dirty="0" smtClean="0"/>
           </a:p>
           <a:p>
             <a:endParaRPr lang="cs-CZ" dirty="0"/>
           </a:p>
-          <a:p>
-            <a:pPr marL="0" indent="0">
-              <a:buNone/>
-            </a:pPr>
-            <a:r>
-              <a:rPr lang="cs-CZ" dirty="0" smtClean="0"/>
-              <a:t>Koncentrátory komunikují se serverem pomocí </a:t>
-            </a:r>
-            <a:r>
-              <a:rPr lang="cs-CZ" b="1" dirty="0" smtClean="0"/>
-              <a:t>UDP</a:t>
-            </a:r>
-            <a:r>
-              <a:rPr lang="cs-CZ" dirty="0" smtClean="0"/>
-              <a:t> datagramů a </a:t>
-            </a:r>
-            <a:r>
-              <a:rPr lang="cs-CZ" b="1" dirty="0" smtClean="0"/>
-              <a:t>TCP</a:t>
-            </a:r>
-            <a:r>
-              <a:rPr lang="cs-CZ" dirty="0" smtClean="0"/>
-              <a:t> </a:t>
-            </a:r>
-            <a:r>
-              <a:rPr lang="cs-CZ" dirty="0" err="1" smtClean="0"/>
-              <a:t>packetů</a:t>
-            </a:r>
-            <a:r>
-              <a:rPr lang="cs-CZ" dirty="0" smtClean="0"/>
-              <a:t>, na stranu klienta se informace posílají přes </a:t>
-            </a:r>
-            <a:r>
-              <a:rPr lang="cs-CZ" b="1" dirty="0" err="1" smtClean="0"/>
-              <a:t>Websocket</a:t>
-            </a:r>
-            <a:r>
-              <a:rPr lang="cs-CZ" dirty="0" smtClean="0"/>
-              <a:t>. Jako </a:t>
-            </a:r>
-            <a:r>
-              <a:rPr lang="cs-CZ" dirty="0" err="1" smtClean="0"/>
-              <a:t>mezipaměť</a:t>
-            </a:r>
-            <a:r>
-              <a:rPr lang="cs-CZ" dirty="0" smtClean="0"/>
-              <a:t> je použita </a:t>
-            </a:r>
-            <a:r>
-              <a:rPr lang="cs-CZ" dirty="0" err="1" smtClean="0"/>
-              <a:t>key-value</a:t>
-            </a:r>
-            <a:r>
-              <a:rPr lang="cs-CZ" dirty="0" smtClean="0"/>
-              <a:t> databáze </a:t>
-            </a:r>
-            <a:r>
-              <a:rPr lang="cs-CZ" b="1" dirty="0" err="1" smtClean="0"/>
-              <a:t>Redis</a:t>
-            </a:r>
-            <a:r>
-              <a:rPr lang="cs-CZ" dirty="0" smtClean="0"/>
-              <a:t>.</a:t>
-            </a:r>
-            <a:endParaRPr lang="cs-CZ" dirty="0"/>
+        </p:txBody>
+      </p:sp>
+      <p:sp>
+        <p:nvSpPr>
+          <p:cNvPr id="6" name="TextBox 5"/>
+          <p:cNvSpPr txBox="1"/>
+          <p:nvPr/>
+        </p:nvSpPr>
+        <p:spPr>
+          <a:xfrm>
+            <a:off x="3593206" y="1983350"/>
+            <a:ext cx="3767378" cy="369332"/>
+          </a:xfrm>
+          <a:prstGeom prst="rect">
+            <a:avLst/>
+          </a:prstGeom>
+          <a:noFill/>
+        </p:spPr>
+        <p:txBody>
+          <a:bodyPr wrap="none" rtlCol="0">
+            <a:spAutoFit/>
+          </a:bodyPr>
+          <a:lstStyle/>
+          <a:p>
+            <a:r>
+              <a:rPr lang="cs-CZ" dirty="0">
+                <a:solidFill>
+                  <a:schemeClr val="tx1">
+                    <a:lumMod val="50000"/>
+                    <a:lumOff val="50000"/>
+                  </a:schemeClr>
+                </a:solidFill>
+                <a:latin typeface="Segoe UI Light" panose="020B0502040204020203" pitchFamily="34" charset="0"/>
+                <a:cs typeface="Segoe UI Light" panose="020B0502040204020203" pitchFamily="34" charset="0"/>
+              </a:rPr>
+              <a:t>(STM32F207IGH6 a STM32F457IGH6</a:t>
+            </a:r>
+            <a:r>
+              <a:rPr lang="cs-CZ" dirty="0" smtClean="0">
+                <a:solidFill>
+                  <a:schemeClr val="tx1">
+                    <a:lumMod val="50000"/>
+                    <a:lumOff val="50000"/>
+                  </a:schemeClr>
+                </a:solidFill>
+                <a:latin typeface="Segoe UI Light" panose="020B0502040204020203" pitchFamily="34" charset="0"/>
+                <a:cs typeface="Segoe UI Light" panose="020B0502040204020203" pitchFamily="34" charset="0"/>
+              </a:rPr>
+              <a:t>)</a:t>
+            </a:r>
+            <a:endParaRPr lang="cs-CZ" dirty="0">
+              <a:solidFill>
+                <a:schemeClr val="tx1">
+                  <a:lumMod val="50000"/>
+                  <a:lumOff val="50000"/>
+                </a:schemeClr>
+              </a:solidFill>
+              <a:latin typeface="Segoe UI Light" panose="020B0502040204020203" pitchFamily="34" charset="0"/>
+              <a:cs typeface="Segoe UI Light" panose="020B0502040204020203" pitchFamily="34" charset="0"/>
+            </a:endParaRPr>
           </a:p>
         </p:txBody>
       </p:sp>
     </p:spTree>
     <p:extLst>
       <p:ext uri="{BB962C8B-B14F-4D97-AF65-F5344CB8AC3E}">
-        <p14:creationId xmlns:p14="http://schemas.microsoft.com/office/powerpoint/2010/main" val="273636460"/>
+        <p14:creationId xmlns:p14="http://schemas.microsoft.com/office/powerpoint/2010/main" val="703484123"/>
       </p:ext>
     </p:extLst>
   </p:cSld>
@@ -2490,12 +2642,14 @@
         </p:nvSpPr>
         <p:spPr/>
         <p:txBody>
-          <a:bodyPr/>
+          <a:bodyPr>
+            <a:normAutofit/>
+          </a:bodyPr>
           <a:lstStyle/>
           <a:p>
             <a:r>
               <a:rPr lang="cs-CZ" dirty="0" smtClean="0"/>
-              <a:t>???</a:t>
+              <a:t>Konkrétní technické řešení</a:t>
             </a:r>
             <a:endParaRPr lang="cs-CZ" dirty="0"/>
           </a:p>
@@ -2511,19 +2665,132 @@
             <p:ph idx="1"/>
           </p:nvPr>
         </p:nvSpPr>
-        <p:spPr/>
-        <p:txBody>
-          <a:bodyPr/>
+        <p:spPr>
+          <a:xfrm>
+            <a:off x="838200" y="1825625"/>
+            <a:ext cx="5485327" cy="4351338"/>
+          </a:xfrm>
+        </p:spPr>
+        <p:txBody>
+          <a:bodyPr>
+            <a:normAutofit/>
+          </a:bodyPr>
           <a:lstStyle/>
           <a:p>
+            <a:pPr marL="0" indent="0">
+              <a:buNone/>
+            </a:pPr>
+            <a:endParaRPr lang="cs-CZ" dirty="0"/>
+          </a:p>
+          <a:p>
+            <a:r>
+              <a:rPr lang="cs-CZ" dirty="0" smtClean="0"/>
+              <a:t>Koncentrátory komunikují se serverem pomocí </a:t>
+            </a:r>
+            <a:r>
+              <a:rPr lang="cs-CZ" b="1" dirty="0" smtClean="0"/>
+              <a:t>UDP</a:t>
+            </a:r>
+            <a:r>
+              <a:rPr lang="cs-CZ" dirty="0" smtClean="0"/>
+              <a:t> datagramů a </a:t>
+            </a:r>
+            <a:r>
+              <a:rPr lang="cs-CZ" b="1" dirty="0" smtClean="0"/>
+              <a:t>TCP</a:t>
+            </a:r>
+            <a:r>
+              <a:rPr lang="cs-CZ" dirty="0" smtClean="0"/>
+              <a:t> </a:t>
+            </a:r>
+            <a:r>
+              <a:rPr lang="cs-CZ" dirty="0" err="1" smtClean="0"/>
+              <a:t>packetů</a:t>
+            </a:r>
             <a:endParaRPr lang="cs-CZ" dirty="0" smtClean="0"/>
           </a:p>
-        </p:txBody>
-      </p:sp>
+          <a:p>
+            <a:r>
+              <a:rPr lang="cs-CZ" dirty="0" smtClean="0"/>
+              <a:t>Na </a:t>
+            </a:r>
+            <a:r>
+              <a:rPr lang="cs-CZ" dirty="0" smtClean="0"/>
+              <a:t>stranu klienta se informace posílají přes </a:t>
+            </a:r>
+            <a:r>
+              <a:rPr lang="cs-CZ" b="1" dirty="0" err="1" smtClean="0"/>
+              <a:t>Websocket</a:t>
+            </a:r>
+            <a:endParaRPr lang="cs-CZ" b="1" dirty="0" smtClean="0"/>
+          </a:p>
+          <a:p>
+            <a:r>
+              <a:rPr lang="cs-CZ" dirty="0" smtClean="0"/>
+              <a:t>Jako </a:t>
+            </a:r>
+            <a:r>
+              <a:rPr lang="cs-CZ" dirty="0" err="1" smtClean="0"/>
+              <a:t>mezipaměť</a:t>
+            </a:r>
+            <a:r>
+              <a:rPr lang="cs-CZ" dirty="0" smtClean="0"/>
+              <a:t> je použita </a:t>
+            </a:r>
+            <a:r>
+              <a:rPr lang="cs-CZ" dirty="0" err="1" smtClean="0"/>
+              <a:t>key-value</a:t>
+            </a:r>
+            <a:r>
+              <a:rPr lang="cs-CZ" dirty="0" smtClean="0"/>
+              <a:t> databáze </a:t>
+            </a:r>
+            <a:r>
+              <a:rPr lang="cs-CZ" b="1" dirty="0" err="1" smtClean="0"/>
+              <a:t>Redis</a:t>
+            </a:r>
+            <a:r>
+              <a:rPr lang="cs-CZ" b="1" dirty="0" smtClean="0"/>
+              <a:t> (RESP)</a:t>
+            </a:r>
+            <a:endParaRPr lang="cs-CZ" dirty="0"/>
+          </a:p>
+        </p:txBody>
+      </p:sp>
+      <p:pic>
+        <p:nvPicPr>
+          <p:cNvPr id="5" name="Picture 4"/>
+          <p:cNvPicPr>
+            <a:picLocks noChangeAspect="1"/>
+          </p:cNvPicPr>
+          <p:nvPr/>
+        </p:nvPicPr>
+        <p:blipFill>
+          <a:blip r:embed="rId2">
+            <a:extLst>
+              <a:ext uri="{28A0092B-C50C-407E-A947-70E740481C1C}">
+                <a14:useLocalDpi xmlns:a14="http://schemas.microsoft.com/office/drawing/2010/main" val="0"/>
+              </a:ext>
+            </a:extLst>
+          </a:blip>
+          <a:stretch>
+            <a:fillRect/>
+          </a:stretch>
+        </p:blipFill>
+        <p:spPr>
+          <a:xfrm>
+            <a:off x="6683156" y="2471403"/>
+            <a:ext cx="4923936" cy="3581667"/>
+          </a:xfrm>
+          <a:prstGeom prst="rect">
+            <a:avLst/>
+          </a:prstGeom>
+        </p:spPr>
+      </p:pic>
     </p:spTree>
     <p:extLst>
       <p:ext uri="{BB962C8B-B14F-4D97-AF65-F5344CB8AC3E}">
-        <p14:creationId xmlns:p14="http://schemas.microsoft.com/office/powerpoint/2010/main" val="2869760644"/>
+        <p14:creationId xmlns:p14="http://schemas.microsoft.com/office/powerpoint/2010/main" val="273636460"/>
       </p:ext>
     </p:extLst>
   </p:cSld>
@@ -2600,12 +2867,41 @@
             <a:endParaRPr lang="cs-CZ" dirty="0" smtClean="0"/>
           </a:p>
           <a:p>
-            <a:pPr marL="0" indent="0">
-              <a:buNone/>
-            </a:pPr>
-            <a:r>
-              <a:rPr lang="cs-CZ" dirty="0" smtClean="0"/>
-              <a:t>Touto prací tento projekt nekončí. Ačkoliv byl úkol splněn, je zapotřebí vyřešit ještě několik milníků před ostrým nasazením.</a:t>
+            <a:r>
+              <a:rPr lang="cs-CZ" dirty="0" smtClean="0"/>
+              <a:t>Další </a:t>
+            </a:r>
+            <a:r>
+              <a:rPr lang="cs-CZ" dirty="0" smtClean="0"/>
+              <a:t>koncové členy</a:t>
+            </a:r>
+          </a:p>
+          <a:p>
+            <a:r>
+              <a:rPr lang="cs-CZ" dirty="0" smtClean="0"/>
+              <a:t>IPv6, bezdrátový </a:t>
+            </a:r>
+            <a:r>
+              <a:rPr lang="cs-CZ" dirty="0" smtClean="0"/>
+              <a:t>přenos (Wi-Fi, </a:t>
+            </a:r>
+            <a:r>
+              <a:rPr lang="cs-CZ" dirty="0" err="1" smtClean="0"/>
+              <a:t>Li-Fi</a:t>
+            </a:r>
+            <a:r>
+              <a:rPr lang="cs-CZ" dirty="0" smtClean="0"/>
+              <a:t>), </a:t>
+            </a:r>
+            <a:r>
+              <a:rPr lang="cs-CZ" dirty="0" smtClean="0"/>
+              <a:t>zabezpečení</a:t>
+            </a:r>
+          </a:p>
+          <a:p>
+            <a:r>
+              <a:rPr lang="cs-CZ" dirty="0" smtClean="0"/>
+              <a:t>Praktická realizace přístrojů</a:t>
             </a:r>
           </a:p>
           <a:p>
@@ -2613,27 +2909,22 @@
           </a:p>
           <a:p>
             <a:r>
-              <a:rPr lang="cs-CZ" dirty="0" smtClean="0"/>
-              <a:t>Další koncové členy</a:t>
-            </a:r>
-          </a:p>
-          <a:p>
-            <a:r>
-              <a:rPr lang="cs-CZ" dirty="0" smtClean="0"/>
-              <a:t>IPv6, bezdrátový přenos, zabezpečení</a:t>
-            </a:r>
-          </a:p>
-          <a:p>
-            <a:r>
-              <a:rPr lang="cs-CZ" dirty="0" smtClean="0"/>
-              <a:t>Praktická realizace přístrojů</a:t>
-            </a:r>
-          </a:p>
-          <a:p>
-            <a:r>
-              <a:rPr lang="cs-CZ" dirty="0" smtClean="0"/>
-              <a:t>První praktická aplikace v reálném provozu</a:t>
-            </a:r>
+              <a:rPr lang="cs-CZ" dirty="0" err="1" smtClean="0"/>
+              <a:t>Fog</a:t>
+            </a:r>
+            <a:r>
+              <a:rPr lang="cs-CZ" dirty="0" smtClean="0"/>
+              <a:t> </a:t>
+            </a:r>
+            <a:r>
+              <a:rPr lang="cs-CZ" dirty="0" err="1" smtClean="0"/>
+              <a:t>computing</a:t>
+            </a:r>
+            <a:r>
+              <a:rPr lang="cs-CZ" dirty="0" smtClean="0"/>
+              <a:t>? Celý systém je centralizovaný (server). Budoucnost však vidím v částečně decentralizovaném přístupu.</a:t>
+            </a:r>
+            <a:endParaRPr lang="cs-CZ" dirty="0" smtClean="0"/>
           </a:p>
         </p:txBody>
       </p:sp>
@@ -2730,8 +3021,17 @@
           <a:p>
             <a:r>
               <a:rPr lang="cs-CZ" dirty="0" smtClean="0"/>
-              <a:t>Šetří spotřebu elektrické energie</a:t>
-            </a:r>
+              <a:t>(Šetří </a:t>
+            </a:r>
+            <a:r>
+              <a:rPr lang="cs-CZ" dirty="0" smtClean="0"/>
+              <a:t>spotřebu elektrické </a:t>
+            </a:r>
+            <a:r>
+              <a:rPr lang="cs-CZ" dirty="0" smtClean="0"/>
+              <a:t>energie)</a:t>
+            </a:r>
+            <a:endParaRPr lang="cs-CZ" dirty="0" smtClean="0"/>
           </a:p>
           <a:p>
             <a:r>
@@ -2833,14 +3133,16 @@
         </p:nvSpPr>
         <p:spPr/>
         <p:txBody>
-          <a:bodyPr/>
+          <a:bodyPr>
+            <a:noAutofit/>
+          </a:bodyPr>
           <a:lstStyle/>
           <a:p>
             <a:r>
-              <a:rPr lang="cs-CZ" dirty="0" smtClean="0"/>
+              <a:rPr lang="cs-CZ" sz="6600" dirty="0" smtClean="0"/>
               <a:t>Děkuji za pozornost</a:t>
             </a:r>
-            <a:endParaRPr lang="cs-CZ" dirty="0"/>
+            <a:endParaRPr lang="cs-CZ" sz="6600" dirty="0"/>
           </a:p>
         </p:txBody>
       </p:sp>

--- a/obhajoba.pptx
+++ b/obhajoba.pptx
@@ -215,7 +215,7 @@
           <a:p>
             <a:fld id="{BC8ECA7B-8D20-4BD3-B400-7B6A5FF1F7C5}" type="datetimeFigureOut">
               <a:rPr lang="cs-CZ" smtClean="0"/>
-              <a:t>28. 5. 2015</a:t>
+              <a:t>29. 5. 2015</a:t>
             </a:fld>
             <a:endParaRPr lang="cs-CZ"/>
           </a:p>
@@ -798,7 +798,7 @@
           <a:p>
             <a:fld id="{4CE2FAAD-62F5-466F-BB22-1F87357387D7}" type="datetime4">
               <a:rPr lang="cs-CZ" smtClean="0"/>
-              <a:t>28. května 2015</a:t>
+              <a:t>29. května 2015</a:t>
             </a:fld>
             <a:endParaRPr lang="en-US" dirty="0"/>
           </a:p>
@@ -1082,7 +1082,7 @@
           <a:p>
             <a:fld id="{BC8AFEA6-3834-45E6-91EB-028063508867}" type="datetime4">
               <a:rPr lang="cs-CZ" smtClean="0"/>
-              <a:t>28. května 2015</a:t>
+              <a:t>29. května 2015</a:t>
             </a:fld>
             <a:endParaRPr lang="en-US"/>
           </a:p>
@@ -1295,7 +1295,7 @@
           <a:p>
             <a:fld id="{4CE2FAAD-62F5-466F-BB22-1F87357387D7}" type="datetime4">
               <a:rPr lang="cs-CZ" smtClean="0"/>
-              <a:t>28. května 2015</a:t>
+              <a:t>29. května 2015</a:t>
             </a:fld>
             <a:endParaRPr lang="en-US" dirty="0"/>
           </a:p>
@@ -1536,7 +1536,7 @@
           <a:p>
             <a:fld id="{64786429-FE37-48F4-BB59-6D717BADDCB5}" type="datetime4">
               <a:rPr lang="cs-CZ" smtClean="0"/>
-              <a:t>28. května 2015</a:t>
+              <a:t>29. května 2015</a:t>
             </a:fld>
             <a:endParaRPr lang="en-US"/>
           </a:p>
@@ -2106,7 +2106,6 @@
               <a:rPr lang="cs-CZ" dirty="0" smtClean="0"/>
               <a:t>Výběr vhodné technologie</a:t>
             </a:r>
-            <a:endParaRPr lang="cs-CZ" dirty="0" smtClean="0"/>
           </a:p>
           <a:p>
             <a:r>
@@ -2117,11 +2116,7 @@
           <a:p>
             <a:r>
               <a:rPr lang="cs-CZ" dirty="0" smtClean="0"/>
-              <a:t>Budoucí </a:t>
-            </a:r>
-            <a:r>
-              <a:rPr lang="cs-CZ" dirty="0" smtClean="0"/>
-              <a:t>záměr a rozvoj sítě</a:t>
+              <a:t>Budoucí záměr a rozvoj sítě</a:t>
             </a:r>
           </a:p>
           <a:p>
@@ -2237,7 +2232,6 @@
               <a:rPr lang="cs-CZ" dirty="0" smtClean="0"/>
               <a:t> sítě</a:t>
             </a:r>
-            <a:endParaRPr lang="cs-CZ" dirty="0" smtClean="0"/>
           </a:p>
           <a:p>
             <a:r>
@@ -2266,7 +2260,6 @@
               <a:rPr lang="cs-CZ" dirty="0" smtClean="0"/>
               <a:t> sítě</a:t>
             </a:r>
-            <a:endParaRPr lang="cs-CZ" dirty="0" smtClean="0"/>
           </a:p>
           <a:p>
             <a:r>
@@ -2277,7 +2270,6 @@
               <a:rPr lang="cs-CZ" b="1" dirty="0" smtClean="0"/>
               <a:t>informací</a:t>
             </a:r>
-            <a:endParaRPr lang="cs-CZ" b="1" dirty="0" smtClean="0"/>
           </a:p>
           <a:p>
             <a:endParaRPr lang="cs-CZ" dirty="0"/>
@@ -2712,11 +2704,7 @@
           <a:p>
             <a:r>
               <a:rPr lang="cs-CZ" dirty="0" smtClean="0"/>
-              <a:t>Na </a:t>
-            </a:r>
-            <a:r>
-              <a:rPr lang="cs-CZ" dirty="0" smtClean="0"/>
-              <a:t>stranu klienta se informace posílají přes </a:t>
+              <a:t>Na stranu klienta se informace posílají přes </a:t>
             </a:r>
             <a:r>
               <a:rPr lang="cs-CZ" b="1" dirty="0" err="1" smtClean="0"/>
@@ -2869,21 +2857,13 @@
           <a:p>
             <a:r>
               <a:rPr lang="cs-CZ" dirty="0" smtClean="0"/>
-              <a:t>Další </a:t>
-            </a:r>
-            <a:r>
-              <a:rPr lang="cs-CZ" dirty="0" smtClean="0"/>
-              <a:t>koncové členy</a:t>
-            </a:r>
-          </a:p>
-          <a:p>
-            <a:r>
-              <a:rPr lang="cs-CZ" dirty="0" smtClean="0"/>
-              <a:t>IPv6, bezdrátový </a:t>
-            </a:r>
-            <a:r>
-              <a:rPr lang="cs-CZ" dirty="0" smtClean="0"/>
-              <a:t>přenos (Wi-Fi, </a:t>
+              <a:t>Další koncové členy</a:t>
+            </a:r>
+          </a:p>
+          <a:p>
+            <a:r>
+              <a:rPr lang="cs-CZ" dirty="0" smtClean="0"/>
+              <a:t>IPv6, bezdrátový přenos (Wi-Fi, </a:t>
             </a:r>
             <a:r>
               <a:rPr lang="cs-CZ" dirty="0" err="1" smtClean="0"/>
@@ -2891,18 +2871,41 @@
             </a:r>
             <a:r>
               <a:rPr lang="cs-CZ" dirty="0" smtClean="0"/>
-              <a:t>), </a:t>
-            </a:r>
-            <a:r>
-              <a:rPr lang="cs-CZ" dirty="0" smtClean="0"/>
-              <a:t>zabezpečení</a:t>
-            </a:r>
-          </a:p>
-          <a:p>
-            <a:r>
-              <a:rPr lang="cs-CZ" dirty="0" smtClean="0"/>
-              <a:t>Praktická realizace přístrojů</a:t>
-            </a:r>
+              <a:t>), zabezpečení</a:t>
+            </a:r>
+          </a:p>
+          <a:p>
+            <a:r>
+              <a:rPr lang="cs-CZ" dirty="0" smtClean="0"/>
+              <a:t>Praktická realizace </a:t>
+            </a:r>
+            <a:r>
+              <a:rPr lang="cs-CZ" dirty="0" smtClean="0"/>
+              <a:t>přístrojů</a:t>
+            </a:r>
+          </a:p>
+          <a:p>
+            <a:r>
+              <a:rPr lang="cs-CZ" dirty="0" smtClean="0"/>
+              <a:t>Projekt </a:t>
+            </a:r>
+            <a:r>
+              <a:rPr lang="cs-CZ" dirty="0" err="1" smtClean="0"/>
+              <a:t>Brillo</a:t>
+            </a:r>
+            <a:r>
+              <a:rPr lang="cs-CZ" dirty="0" smtClean="0"/>
+              <a:t> a protokol </a:t>
+            </a:r>
+            <a:r>
+              <a:rPr lang="cs-CZ" dirty="0" err="1" smtClean="0"/>
+              <a:t>Weave</a:t>
+            </a:r>
+            <a:r>
+              <a:rPr lang="cs-CZ" dirty="0" smtClean="0"/>
+              <a:t>?</a:t>
+            </a:r>
+            <a:endParaRPr lang="cs-CZ" dirty="0" smtClean="0"/>
           </a:p>
           <a:p>
             <a:endParaRPr lang="cs-CZ" dirty="0" smtClean="0"/>
@@ -2924,7 +2927,6 @@
               <a:rPr lang="cs-CZ" dirty="0" smtClean="0"/>
               <a:t>? Celý systém je centralizovaný (server). Budoucnost však vidím v částečně decentralizovaném přístupu.</a:t>
             </a:r>
-            <a:endParaRPr lang="cs-CZ" dirty="0" smtClean="0"/>
           </a:p>
         </p:txBody>
       </p:sp>
@@ -3020,18 +3022,35 @@
           </a:p>
           <a:p>
             <a:r>
-              <a:rPr lang="cs-CZ" dirty="0" smtClean="0"/>
-              <a:t>(Šetří </a:t>
-            </a:r>
-            <a:r>
-              <a:rPr lang="cs-CZ" dirty="0" smtClean="0"/>
-              <a:t>spotřebu elektrické </a:t>
-            </a:r>
-            <a:r>
-              <a:rPr lang="cs-CZ" dirty="0" smtClean="0"/>
-              <a:t>energie)</a:t>
-            </a:r>
-            <a:endParaRPr lang="cs-CZ" dirty="0" smtClean="0"/>
+              <a:rPr lang="cs-CZ" dirty="0" smtClean="0">
+                <a:solidFill>
+                  <a:schemeClr val="bg1">
+                    <a:lumMod val="85000"/>
+                  </a:schemeClr>
+                </a:solidFill>
+              </a:rPr>
+              <a:t>(</a:t>
+            </a:r>
+            <a:r>
+              <a:rPr lang="cs-CZ" strike="sngStrike" dirty="0" smtClean="0">
+                <a:solidFill>
+                  <a:schemeClr val="bg1">
+                    <a:lumMod val="85000"/>
+                  </a:schemeClr>
+                </a:solidFill>
+              </a:rPr>
+              <a:t>Šetří spotřebu elektrické energie</a:t>
+            </a:r>
+            <a:r>
+              <a:rPr lang="cs-CZ" dirty="0" smtClean="0">
+                <a:solidFill>
+                  <a:schemeClr val="bg1">
+                    <a:lumMod val="85000"/>
+                  </a:schemeClr>
+                </a:solidFill>
+              </a:rPr>
+              <a:t>)</a:t>
+            </a:r>
           </a:p>
           <a:p>
             <a:r>
@@ -3045,28 +3064,16 @@
               <a:t>Do dnešního dne bylo zpracováno více než </a:t>
             </a:r>
             <a:r>
-              <a:rPr lang="cs-CZ" b="1" dirty="0" err="1" smtClean="0"/>
-              <a:t>xxx</a:t>
-            </a:r>
-            <a:r>
               <a:rPr lang="cs-CZ" b="1" dirty="0" smtClean="0"/>
+              <a:t>32 220 000</a:t>
+            </a:r>
+            <a:r>
+              <a:rPr lang="cs-CZ" dirty="0" smtClean="0"/>
               <a:t> </a:t>
             </a:r>
             <a:r>
-              <a:rPr lang="cs-CZ" b="1" dirty="0" err="1" smtClean="0"/>
-              <a:t>xxx</a:t>
-            </a:r>
-            <a:r>
-              <a:rPr lang="cs-CZ" b="1" dirty="0" smtClean="0"/>
-              <a:t> </a:t>
-            </a:r>
-            <a:r>
-              <a:rPr lang="cs-CZ" b="1" dirty="0" err="1" smtClean="0"/>
-              <a:t>xxx</a:t>
-            </a:r>
-            <a:r>
-              <a:rPr lang="cs-CZ" dirty="0" smtClean="0"/>
-              <a:t> požadavků bez větších technických komplikací</a:t>
+              <a:rPr lang="cs-CZ" dirty="0" smtClean="0"/>
+              <a:t>požadavků bez větších technických komplikací</a:t>
             </a:r>
           </a:p>
           <a:p>

--- a/obhajoba.pptx
+++ b/obhajoba.pptx
@@ -5,7 +5,7 @@
     <p:sldMasterId id="2147483648" r:id="rId1"/>
   </p:sldMasterIdLst>
   <p:notesMasterIdLst>
-    <p:notesMasterId r:id="rId10"/>
+    <p:notesMasterId r:id="rId14"/>
   </p:notesMasterIdLst>
   <p:sldIdLst>
     <p:sldId id="256" r:id="rId2"/>
@@ -13,9 +13,13 @@
     <p:sldId id="259" r:id="rId4"/>
     <p:sldId id="264" r:id="rId5"/>
     <p:sldId id="260" r:id="rId6"/>
-    <p:sldId id="262" r:id="rId7"/>
-    <p:sldId id="263" r:id="rId8"/>
-    <p:sldId id="258" r:id="rId9"/>
+    <p:sldId id="265" r:id="rId7"/>
+    <p:sldId id="266" r:id="rId8"/>
+    <p:sldId id="262" r:id="rId9"/>
+    <p:sldId id="263" r:id="rId10"/>
+    <p:sldId id="258" r:id="rId11"/>
+    <p:sldId id="267" r:id="rId12"/>
+    <p:sldId id="268" r:id="rId13"/>
   </p:sldIdLst>
   <p:sldSz cx="12192000" cy="6858000"/>
   <p:notesSz cx="6858000" cy="9144000"/>
@@ -122,7 +126,7 @@
             <a:srgbClr val="A4A3A4"/>
           </p15:clr>
         </p15:guide>
-        <p15:guide id="2" pos="3840" userDrawn="1">
+        <p15:guide id="2" pos="3817" userDrawn="1">
           <p15:clr>
             <a:srgbClr val="A4A3A4"/>
           </p15:clr>
@@ -215,7 +219,7 @@
           <a:p>
             <a:fld id="{BC8ECA7B-8D20-4BD3-B400-7B6A5FF1F7C5}" type="datetimeFigureOut">
               <a:rPr lang="cs-CZ" smtClean="0"/>
-              <a:t>29. 5. 2015</a:t>
+              <a:t>7. 6. 2015</a:t>
             </a:fld>
             <a:endParaRPr lang="cs-CZ"/>
           </a:p>
@@ -598,6 +602,9 @@
           <a:prstGeom prst="rect">
             <a:avLst/>
           </a:prstGeom>
+          <a:solidFill>
+            <a:srgbClr val="2980B9"/>
+          </a:solidFill>
           <a:ln>
             <a:noFill/>
           </a:ln>
@@ -798,7 +805,7 @@
           <a:p>
             <a:fld id="{4CE2FAAD-62F5-466F-BB22-1F87357387D7}" type="datetime4">
               <a:rPr lang="cs-CZ" smtClean="0"/>
-              <a:t>29. května 2015</a:t>
+              <a:t>7. června 2015</a:t>
             </a:fld>
             <a:endParaRPr lang="en-US" dirty="0"/>
           </a:p>
@@ -867,6 +874,36 @@
           </a:p>
         </p:txBody>
       </p:sp>
+      <p:pic>
+        <p:nvPicPr>
+          <p:cNvPr id="8" name="Picture 7"/>
+          <p:cNvPicPr>
+            <a:picLocks noChangeAspect="1"/>
+          </p:cNvPicPr>
+          <p:nvPr userDrawn="1"/>
+        </p:nvPicPr>
+        <p:blipFill>
+          <a:blip r:embed="rId2" cstate="print">
+            <a:extLst>
+              <a:ext uri="{28A0092B-C50C-407E-A947-70E740481C1C}">
+                <a14:useLocalDpi xmlns:a14="http://schemas.microsoft.com/office/drawing/2010/main" val="0"/>
+              </a:ext>
+            </a:extLst>
+          </a:blip>
+          <a:stretch>
+            <a:fillRect/>
+          </a:stretch>
+        </p:blipFill>
+        <p:spPr>
+          <a:xfrm>
+            <a:off x="11023090" y="441483"/>
+            <a:ext cx="749810" cy="807722"/>
+          </a:xfrm>
+          <a:prstGeom prst="rect">
+            <a:avLst/>
+          </a:prstGeom>
+        </p:spPr>
+      </p:pic>
     </p:spTree>
     <p:extLst>
       <p:ext uri="{BB962C8B-B14F-4D97-AF65-F5344CB8AC3E}">
@@ -918,6 +955,9 @@
           <a:prstGeom prst="rect">
             <a:avLst/>
           </a:prstGeom>
+          <a:solidFill>
+            <a:srgbClr val="2980B9"/>
+          </a:solidFill>
           <a:ln>
             <a:noFill/>
           </a:ln>
@@ -1029,9 +1069,17 @@
           </a:lstStyle>
           <a:p>
             <a:pPr lvl="0"/>
+            <a:endParaRPr lang="cs-CZ" dirty="0" smtClean="0"/>
+          </a:p>
+          <a:p>
+            <a:pPr lvl="0"/>
             <a:r>
               <a:rPr lang="en-US" dirty="0" smtClean="0"/>
-              <a:t>Click to edit Master text styles</a:t>
+              <a:t>Click </a:t>
+            </a:r>
+            <a:r>
+              <a:rPr lang="en-US" dirty="0" smtClean="0"/>
+              <a:t>to edit Master text styles</a:t>
             </a:r>
           </a:p>
           <a:p>
@@ -1082,7 +1130,7 @@
           <a:p>
             <a:fld id="{BC8AFEA6-3834-45E6-91EB-028063508867}" type="datetime4">
               <a:rPr lang="cs-CZ" smtClean="0"/>
-              <a:t>29. května 2015</a:t>
+              <a:t>7. června 2015</a:t>
             </a:fld>
             <a:endParaRPr lang="en-US"/>
           </a:p>
@@ -1134,6 +1182,36 @@
           </a:p>
         </p:txBody>
       </p:sp>
+      <p:pic>
+        <p:nvPicPr>
+          <p:cNvPr id="7" name="Picture 6"/>
+          <p:cNvPicPr>
+            <a:picLocks noChangeAspect="1"/>
+          </p:cNvPicPr>
+          <p:nvPr userDrawn="1"/>
+        </p:nvPicPr>
+        <p:blipFill>
+          <a:blip r:embed="rId2" cstate="print">
+            <a:extLst>
+              <a:ext uri="{28A0092B-C50C-407E-A947-70E740481C1C}">
+                <a14:useLocalDpi xmlns:a14="http://schemas.microsoft.com/office/drawing/2010/main" val="0"/>
+              </a:ext>
+            </a:extLst>
+          </a:blip>
+          <a:stretch>
+            <a:fillRect/>
+          </a:stretch>
+        </p:blipFill>
+        <p:spPr>
+          <a:xfrm>
+            <a:off x="11023090" y="441483"/>
+            <a:ext cx="749810" cy="807722"/>
+          </a:xfrm>
+          <a:prstGeom prst="rect">
+            <a:avLst/>
+          </a:prstGeom>
+        </p:spPr>
+      </p:pic>
     </p:spTree>
     <p:extLst>
       <p:ext uri="{BB962C8B-B14F-4D97-AF65-F5344CB8AC3E}">
@@ -1185,6 +1263,9 @@
           <a:prstGeom prst="rect">
             <a:avLst/>
           </a:prstGeom>
+          <a:solidFill>
+            <a:srgbClr val="2980B9"/>
+          </a:solidFill>
           <a:ln>
             <a:noFill/>
           </a:ln>
@@ -1295,7 +1376,7 @@
           <a:p>
             <a:fld id="{4CE2FAAD-62F5-466F-BB22-1F87357387D7}" type="datetime4">
               <a:rPr lang="cs-CZ" smtClean="0"/>
-              <a:t>29. května 2015</a:t>
+              <a:t>7. června 2015</a:t>
             </a:fld>
             <a:endParaRPr lang="en-US" dirty="0"/>
           </a:p>
@@ -1364,10 +1445,167 @@
           </a:p>
         </p:txBody>
       </p:sp>
+      <p:pic>
+        <p:nvPicPr>
+          <p:cNvPr id="8" name="Picture 7"/>
+          <p:cNvPicPr>
+            <a:picLocks noChangeAspect="1"/>
+          </p:cNvPicPr>
+          <p:nvPr userDrawn="1"/>
+        </p:nvPicPr>
+        <p:blipFill>
+          <a:blip r:embed="rId2" cstate="print">
+            <a:extLst>
+              <a:ext uri="{28A0092B-C50C-407E-A947-70E740481C1C}">
+                <a14:useLocalDpi xmlns:a14="http://schemas.microsoft.com/office/drawing/2010/main" val="0"/>
+              </a:ext>
+            </a:extLst>
+          </a:blip>
+          <a:stretch>
+            <a:fillRect/>
+          </a:stretch>
+        </p:blipFill>
+        <p:spPr>
+          <a:xfrm>
+            <a:off x="11023090" y="441483"/>
+            <a:ext cx="749810" cy="807722"/>
+          </a:xfrm>
+          <a:prstGeom prst="rect">
+            <a:avLst/>
+          </a:prstGeom>
+        </p:spPr>
+      </p:pic>
     </p:spTree>
     <p:extLst>
       <p:ext uri="{BB962C8B-B14F-4D97-AF65-F5344CB8AC3E}">
         <p14:creationId xmlns:p14="http://schemas.microsoft.com/office/powerpoint/2010/main" val="3750185156"/>
+      </p:ext>
+    </p:extLst>
+  </p:cSld>
+  <p:clrMapOvr>
+    <a:masterClrMapping/>
+  </p:clrMapOvr>
+  <p:timing>
+    <p:tnLst>
+      <p:par>
+        <p:cTn id="1" dur="indefinite" restart="never" nodeType="tmRoot"/>
+      </p:par>
+    </p:tnLst>
+  </p:timing>
+</p:sldLayout>
+</file>
+
+<file path=ppt/slideLayouts/slideLayout4.xml><?xml version="1.0" encoding="utf-8"?>
+<p:sldLayout xmlns:a="http://schemas.openxmlformats.org/drawingml/2006/main" xmlns:r="http://schemas.openxmlformats.org/officeDocument/2006/relationships" xmlns:p="http://schemas.openxmlformats.org/presentationml/2006/main" preserve="1" userDrawn="1">
+  <p:cSld name="2_Title Slide">
+    <p:spTree>
+      <p:nvGrpSpPr>
+        <p:cNvPr id="1" name=""/>
+        <p:cNvGrpSpPr/>
+        <p:nvPr/>
+      </p:nvGrpSpPr>
+      <p:grpSpPr>
+        <a:xfrm>
+          <a:off x="0" y="0"/>
+          <a:ext cx="0" cy="0"/>
+          <a:chOff x="0" y="0"/>
+          <a:chExt cx="0" cy="0"/>
+        </a:xfrm>
+      </p:grpSpPr>
+      <p:sp>
+        <p:nvSpPr>
+          <p:cNvPr id="4" name="Date Placeholder 3"/>
+          <p:cNvSpPr>
+            <a:spLocks noGrp="1"/>
+          </p:cNvSpPr>
+          <p:nvPr>
+            <p:ph type="dt" sz="half" idx="10"/>
+          </p:nvPr>
+        </p:nvSpPr>
+        <p:spPr/>
+        <p:txBody>
+          <a:bodyPr/>
+          <a:lstStyle>
+            <a:lvl1pPr>
+              <a:defRPr sz="1800"/>
+            </a:lvl1pPr>
+          </a:lstStyle>
+          <a:p>
+            <a:fld id="{4CE2FAAD-62F5-466F-BB22-1F87357387D7}" type="datetime4">
+              <a:rPr lang="cs-CZ" smtClean="0"/>
+              <a:t>7. června 2015</a:t>
+            </a:fld>
+            <a:endParaRPr lang="en-US" dirty="0"/>
+          </a:p>
+        </p:txBody>
+      </p:sp>
+      <p:sp>
+        <p:nvSpPr>
+          <p:cNvPr id="5" name="Footer Placeholder 4"/>
+          <p:cNvSpPr>
+            <a:spLocks noGrp="1"/>
+          </p:cNvSpPr>
+          <p:nvPr>
+            <p:ph type="ftr" sz="quarter" idx="11"/>
+          </p:nvPr>
+        </p:nvSpPr>
+        <p:spPr/>
+        <p:txBody>
+          <a:bodyPr/>
+          <a:lstStyle>
+            <a:lvl1pPr>
+              <a:defRPr sz="1800"/>
+            </a:lvl1pPr>
+          </a:lstStyle>
+          <a:p>
+            <a:r>
+              <a:rPr lang="en-US" dirty="0" err="1" smtClean="0"/>
+              <a:t>Západočeská</a:t>
+            </a:r>
+            <a:r>
+              <a:rPr lang="en-US" dirty="0" smtClean="0"/>
+              <a:t> </a:t>
+            </a:r>
+            <a:r>
+              <a:rPr lang="en-US" dirty="0" err="1" smtClean="0"/>
+              <a:t>univerzita</a:t>
+            </a:r>
+            <a:endParaRPr lang="en-US" dirty="0"/>
+          </a:p>
+        </p:txBody>
+      </p:sp>
+      <p:sp>
+        <p:nvSpPr>
+          <p:cNvPr id="6" name="Slide Number Placeholder 5"/>
+          <p:cNvSpPr>
+            <a:spLocks noGrp="1"/>
+          </p:cNvSpPr>
+          <p:nvPr>
+            <p:ph type="sldNum" sz="quarter" idx="12"/>
+          </p:nvPr>
+        </p:nvSpPr>
+        <p:spPr/>
+        <p:txBody>
+          <a:bodyPr/>
+          <a:lstStyle>
+            <a:lvl1pPr>
+              <a:defRPr sz="1800"/>
+            </a:lvl1pPr>
+          </a:lstStyle>
+          <a:p>
+            <a:fld id="{60B0300B-09AE-495C-9952-AE4722B2979B}" type="slidenum">
+              <a:rPr lang="en-US" smtClean="0"/>
+              <a:pPr/>
+              <a:t>‹#›</a:t>
+            </a:fld>
+            <a:endParaRPr lang="en-US" dirty="0"/>
+          </a:p>
+        </p:txBody>
+      </p:sp>
+    </p:spTree>
+    <p:extLst>
+      <p:ext uri="{BB962C8B-B14F-4D97-AF65-F5344CB8AC3E}">
+        <p14:creationId xmlns:p14="http://schemas.microsoft.com/office/powerpoint/2010/main" val="983984908"/>
       </p:ext>
     </p:extLst>
   </p:cSld>
@@ -1536,7 +1774,7 @@
           <a:p>
             <a:fld id="{64786429-FE37-48F4-BB59-6D717BADDCB5}" type="datetime4">
               <a:rPr lang="cs-CZ" smtClean="0"/>
-              <a:t>29. května 2015</a:t>
+              <a:t>7. června 2015</a:t>
             </a:fld>
             <a:endParaRPr lang="en-US"/>
           </a:p>
@@ -1636,6 +1874,7 @@
     <p:sldLayoutId id="2147483649" r:id="rId1"/>
     <p:sldLayoutId id="2147483650" r:id="rId2"/>
     <p:sldLayoutId id="2147483651" r:id="rId3"/>
+    <p:sldLayoutId id="2147483652" r:id="rId4"/>
   </p:sldLayoutIdLst>
   <p:timing>
     <p:tnLst>
@@ -2003,18 +2242,241 @@
         <p:spPr>
           <a:xfrm>
             <a:off x="1524000" y="5138671"/>
-            <a:ext cx="9144000" cy="808328"/>
+            <a:ext cx="4572000" cy="1352280"/>
           </a:xfrm>
         </p:spPr>
         <p:txBody>
-          <a:bodyPr/>
+          <a:bodyPr>
+            <a:normAutofit/>
+          </a:bodyPr>
           <a:lstStyle/>
           <a:p>
-            <a:r>
-              <a:rPr lang="cs-CZ" dirty="0" smtClean="0"/>
-              <a:t>Martin Zlámal</a:t>
-            </a:r>
-            <a:endParaRPr lang="en-US" dirty="0"/>
+            <a:pPr algn="l"/>
+            <a:r>
+              <a:rPr lang="cs-CZ" dirty="0" smtClean="0"/>
+              <a:t>Martin </a:t>
+            </a:r>
+            <a:r>
+              <a:rPr lang="cs-CZ" dirty="0" smtClean="0"/>
+              <a:t>Zlámal</a:t>
+            </a:r>
+          </a:p>
+          <a:p>
+            <a:pPr algn="l"/>
+            <a:r>
+              <a:rPr lang="cs-CZ" sz="1600" dirty="0" smtClean="0"/>
+              <a:t>2015</a:t>
+            </a:r>
+            <a:endParaRPr lang="cs-CZ" sz="1600" dirty="0" smtClean="0"/>
+          </a:p>
+        </p:txBody>
+      </p:sp>
+      <p:sp>
+        <p:nvSpPr>
+          <p:cNvPr id="4" name="Subtitle 2"/>
+          <p:cNvSpPr txBox="1">
+            <a:spLocks/>
+          </p:cNvSpPr>
+          <p:nvPr/>
+        </p:nvSpPr>
+        <p:spPr>
+          <a:xfrm>
+            <a:off x="6095999" y="5138670"/>
+            <a:ext cx="5057105" cy="1352281"/>
+          </a:xfrm>
+          <a:prstGeom prst="rect">
+            <a:avLst/>
+          </a:prstGeom>
+        </p:spPr>
+        <p:txBody>
+          <a:bodyPr vert="horz" lIns="91440" tIns="45720" rIns="91440" bIns="45720" rtlCol="0" anchor="b">
+            <a:normAutofit/>
+          </a:bodyPr>
+          <a:lstStyle>
+            <a:lvl1pPr marL="0" indent="0" algn="ctr" defTabSz="914400" rtl="0" eaLnBrk="1" latinLnBrk="0" hangingPunct="1">
+              <a:lnSpc>
+                <a:spcPct val="90000"/>
+              </a:lnSpc>
+              <a:spcBef>
+                <a:spcPts val="1000"/>
+              </a:spcBef>
+              <a:buFont typeface="Arial" panose="020B0604020202020204" pitchFamily="34" charset="0"/>
+              <a:buNone/>
+              <a:defRPr sz="2800" kern="1200">
+                <a:solidFill>
+                  <a:schemeClr val="tx1"/>
+                </a:solidFill>
+                <a:latin typeface="Segoe UI Light" panose="020B0502040204020203" pitchFamily="34" charset="0"/>
+                <a:ea typeface="+mn-ea"/>
+                <a:cs typeface="Segoe UI Light" panose="020B0502040204020203" pitchFamily="34" charset="0"/>
+              </a:defRPr>
+            </a:lvl1pPr>
+            <a:lvl2pPr marL="457200" indent="0" algn="ctr" defTabSz="914400" rtl="0" eaLnBrk="1" latinLnBrk="0" hangingPunct="1">
+              <a:lnSpc>
+                <a:spcPct val="90000"/>
+              </a:lnSpc>
+              <a:spcBef>
+                <a:spcPts val="500"/>
+              </a:spcBef>
+              <a:buFont typeface="Arial" panose="020B0604020202020204" pitchFamily="34" charset="0"/>
+              <a:buNone/>
+              <a:defRPr sz="2000" kern="1200">
+                <a:solidFill>
+                  <a:schemeClr val="tx1"/>
+                </a:solidFill>
+                <a:latin typeface="+mn-lt"/>
+                <a:ea typeface="+mn-ea"/>
+                <a:cs typeface="+mn-cs"/>
+              </a:defRPr>
+            </a:lvl2pPr>
+            <a:lvl3pPr marL="914400" indent="0" algn="ctr" defTabSz="914400" rtl="0" eaLnBrk="1" latinLnBrk="0" hangingPunct="1">
+              <a:lnSpc>
+                <a:spcPct val="90000"/>
+              </a:lnSpc>
+              <a:spcBef>
+                <a:spcPts val="500"/>
+              </a:spcBef>
+              <a:buFont typeface="Arial" panose="020B0604020202020204" pitchFamily="34" charset="0"/>
+              <a:buNone/>
+              <a:defRPr sz="1800" kern="1200">
+                <a:solidFill>
+                  <a:schemeClr val="tx1"/>
+                </a:solidFill>
+                <a:latin typeface="+mn-lt"/>
+                <a:ea typeface="+mn-ea"/>
+                <a:cs typeface="+mn-cs"/>
+              </a:defRPr>
+            </a:lvl3pPr>
+            <a:lvl4pPr marL="1371600" indent="0" algn="ctr" defTabSz="914400" rtl="0" eaLnBrk="1" latinLnBrk="0" hangingPunct="1">
+              <a:lnSpc>
+                <a:spcPct val="90000"/>
+              </a:lnSpc>
+              <a:spcBef>
+                <a:spcPts val="500"/>
+              </a:spcBef>
+              <a:buFont typeface="Arial" panose="020B0604020202020204" pitchFamily="34" charset="0"/>
+              <a:buNone/>
+              <a:defRPr sz="1600" kern="1200">
+                <a:solidFill>
+                  <a:schemeClr val="tx1"/>
+                </a:solidFill>
+                <a:latin typeface="+mn-lt"/>
+                <a:ea typeface="+mn-ea"/>
+                <a:cs typeface="+mn-cs"/>
+              </a:defRPr>
+            </a:lvl4pPr>
+            <a:lvl5pPr marL="1828800" indent="0" algn="ctr" defTabSz="914400" rtl="0" eaLnBrk="1" latinLnBrk="0" hangingPunct="1">
+              <a:lnSpc>
+                <a:spcPct val="90000"/>
+              </a:lnSpc>
+              <a:spcBef>
+                <a:spcPts val="500"/>
+              </a:spcBef>
+              <a:buFont typeface="Arial" panose="020B0604020202020204" pitchFamily="34" charset="0"/>
+              <a:buNone/>
+              <a:defRPr sz="1600" kern="1200">
+                <a:solidFill>
+                  <a:schemeClr val="tx1"/>
+                </a:solidFill>
+                <a:latin typeface="+mn-lt"/>
+                <a:ea typeface="+mn-ea"/>
+                <a:cs typeface="+mn-cs"/>
+              </a:defRPr>
+            </a:lvl5pPr>
+            <a:lvl6pPr marL="2286000" indent="0" algn="ctr" defTabSz="914400" rtl="0" eaLnBrk="1" latinLnBrk="0" hangingPunct="1">
+              <a:lnSpc>
+                <a:spcPct val="90000"/>
+              </a:lnSpc>
+              <a:spcBef>
+                <a:spcPts val="500"/>
+              </a:spcBef>
+              <a:buFont typeface="Arial" panose="020B0604020202020204" pitchFamily="34" charset="0"/>
+              <a:buNone/>
+              <a:defRPr sz="1600" kern="1200">
+                <a:solidFill>
+                  <a:schemeClr val="tx1"/>
+                </a:solidFill>
+                <a:latin typeface="+mn-lt"/>
+                <a:ea typeface="+mn-ea"/>
+                <a:cs typeface="+mn-cs"/>
+              </a:defRPr>
+            </a:lvl6pPr>
+            <a:lvl7pPr marL="2743200" indent="0" algn="ctr" defTabSz="914400" rtl="0" eaLnBrk="1" latinLnBrk="0" hangingPunct="1">
+              <a:lnSpc>
+                <a:spcPct val="90000"/>
+              </a:lnSpc>
+              <a:spcBef>
+                <a:spcPts val="500"/>
+              </a:spcBef>
+              <a:buFont typeface="Arial" panose="020B0604020202020204" pitchFamily="34" charset="0"/>
+              <a:buNone/>
+              <a:defRPr sz="1600" kern="1200">
+                <a:solidFill>
+                  <a:schemeClr val="tx1"/>
+                </a:solidFill>
+                <a:latin typeface="+mn-lt"/>
+                <a:ea typeface="+mn-ea"/>
+                <a:cs typeface="+mn-cs"/>
+              </a:defRPr>
+            </a:lvl7pPr>
+            <a:lvl8pPr marL="3200400" indent="0" algn="ctr" defTabSz="914400" rtl="0" eaLnBrk="1" latinLnBrk="0" hangingPunct="1">
+              <a:lnSpc>
+                <a:spcPct val="90000"/>
+              </a:lnSpc>
+              <a:spcBef>
+                <a:spcPts val="500"/>
+              </a:spcBef>
+              <a:buFont typeface="Arial" panose="020B0604020202020204" pitchFamily="34" charset="0"/>
+              <a:buNone/>
+              <a:defRPr sz="1600" kern="1200">
+                <a:solidFill>
+                  <a:schemeClr val="tx1"/>
+                </a:solidFill>
+                <a:latin typeface="+mn-lt"/>
+                <a:ea typeface="+mn-ea"/>
+                <a:cs typeface="+mn-cs"/>
+              </a:defRPr>
+            </a:lvl8pPr>
+            <a:lvl9pPr marL="3657600" indent="0" algn="ctr" defTabSz="914400" rtl="0" eaLnBrk="1" latinLnBrk="0" hangingPunct="1">
+              <a:lnSpc>
+                <a:spcPct val="90000"/>
+              </a:lnSpc>
+              <a:spcBef>
+                <a:spcPts val="500"/>
+              </a:spcBef>
+              <a:buFont typeface="Arial" panose="020B0604020202020204" pitchFamily="34" charset="0"/>
+              <a:buNone/>
+              <a:defRPr sz="1600" kern="1200">
+                <a:solidFill>
+                  <a:schemeClr val="tx1"/>
+                </a:solidFill>
+                <a:latin typeface="+mn-lt"/>
+                <a:ea typeface="+mn-ea"/>
+                <a:cs typeface="+mn-cs"/>
+              </a:defRPr>
+            </a:lvl9pPr>
+          </a:lstStyle>
+          <a:p>
+            <a:pPr algn="r"/>
+            <a:r>
+              <a:rPr lang="cs-CZ" sz="2400" dirty="0" smtClean="0"/>
+              <a:t>ZÁPADOČESKÁ UNIVERZITA V PLZNI</a:t>
+            </a:r>
+          </a:p>
+          <a:p>
+            <a:pPr algn="r"/>
+            <a:r>
+              <a:rPr lang="cs-CZ" sz="1600" dirty="0" smtClean="0"/>
+              <a:t>FAKULTA ELEKTROTECHNICKÁ</a:t>
+            </a:r>
+          </a:p>
+          <a:p>
+            <a:pPr algn="r"/>
+            <a:r>
+              <a:rPr lang="cs-CZ" sz="1600" dirty="0" smtClean="0"/>
+              <a:t>KATEDRA ELEKTROENERGETIKY A EKOLOGIE</a:t>
+            </a:r>
+            <a:endParaRPr lang="cs-CZ" sz="1000" dirty="0" smtClean="0"/>
           </a:p>
         </p:txBody>
       </p:sp>
@@ -2022,6 +2484,1010 @@
     <p:extLst>
       <p:ext uri="{BB962C8B-B14F-4D97-AF65-F5344CB8AC3E}">
         <p14:creationId xmlns:p14="http://schemas.microsoft.com/office/powerpoint/2010/main" val="413946503"/>
+      </p:ext>
+    </p:extLst>
+  </p:cSld>
+  <p:clrMapOvr>
+    <a:masterClrMapping/>
+  </p:clrMapOvr>
+  <p:timing>
+    <p:tnLst>
+      <p:par>
+        <p:cTn id="1" dur="indefinite" restart="never" nodeType="tmRoot"/>
+      </p:par>
+    </p:tnLst>
+  </p:timing>
+</p:sld>
+</file>
+
+<file path=ppt/slides/slide10.xml><?xml version="1.0" encoding="utf-8"?>
+<p:sld xmlns:a="http://schemas.openxmlformats.org/drawingml/2006/main" xmlns:r="http://schemas.openxmlformats.org/officeDocument/2006/relationships" xmlns:p="http://schemas.openxmlformats.org/presentationml/2006/main">
+  <p:cSld>
+    <p:spTree>
+      <p:nvGrpSpPr>
+        <p:cNvPr id="1" name=""/>
+        <p:cNvGrpSpPr/>
+        <p:nvPr/>
+      </p:nvGrpSpPr>
+      <p:grpSpPr>
+        <a:xfrm>
+          <a:off x="0" y="0"/>
+          <a:ext cx="0" cy="0"/>
+          <a:chOff x="0" y="0"/>
+          <a:chExt cx="0" cy="0"/>
+        </a:xfrm>
+      </p:grpSpPr>
+      <p:sp>
+        <p:nvSpPr>
+          <p:cNvPr id="2" name="Title 1"/>
+          <p:cNvSpPr>
+            <a:spLocks noGrp="1"/>
+          </p:cNvSpPr>
+          <p:nvPr>
+            <p:ph type="ctrTitle"/>
+          </p:nvPr>
+        </p:nvSpPr>
+        <p:spPr/>
+        <p:txBody>
+          <a:bodyPr>
+            <a:noAutofit/>
+          </a:bodyPr>
+          <a:lstStyle/>
+          <a:p>
+            <a:r>
+              <a:rPr lang="cs-CZ" sz="6600" dirty="0" smtClean="0"/>
+              <a:t>Děkuji za pozornost</a:t>
+            </a:r>
+            <a:endParaRPr lang="cs-CZ" sz="6600" dirty="0"/>
+          </a:p>
+        </p:txBody>
+      </p:sp>
+    </p:spTree>
+    <p:extLst>
+      <p:ext uri="{BB962C8B-B14F-4D97-AF65-F5344CB8AC3E}">
+        <p14:creationId xmlns:p14="http://schemas.microsoft.com/office/powerpoint/2010/main" val="4027560710"/>
+      </p:ext>
+    </p:extLst>
+  </p:cSld>
+  <p:clrMapOvr>
+    <a:masterClrMapping/>
+  </p:clrMapOvr>
+  <p:timing>
+    <p:tnLst>
+      <p:par>
+        <p:cTn id="1" dur="indefinite" restart="never" nodeType="tmRoot"/>
+      </p:par>
+    </p:tnLst>
+  </p:timing>
+</p:sld>
+</file>
+
+<file path=ppt/slides/slide11.xml><?xml version="1.0" encoding="utf-8"?>
+<p:sld xmlns:a="http://schemas.openxmlformats.org/drawingml/2006/main" xmlns:r="http://schemas.openxmlformats.org/officeDocument/2006/relationships" xmlns:p="http://schemas.openxmlformats.org/presentationml/2006/main">
+  <p:cSld>
+    <p:spTree>
+      <p:nvGrpSpPr>
+        <p:cNvPr id="1" name=""/>
+        <p:cNvGrpSpPr/>
+        <p:nvPr/>
+      </p:nvGrpSpPr>
+      <p:grpSpPr>
+        <a:xfrm>
+          <a:off x="0" y="0"/>
+          <a:ext cx="0" cy="0"/>
+          <a:chOff x="0" y="0"/>
+          <a:chExt cx="0" cy="0"/>
+        </a:xfrm>
+      </p:grpSpPr>
+      <p:sp>
+        <p:nvSpPr>
+          <p:cNvPr id="2" name="Title 1"/>
+          <p:cNvSpPr>
+            <a:spLocks noGrp="1"/>
+          </p:cNvSpPr>
+          <p:nvPr>
+            <p:ph type="title"/>
+          </p:nvPr>
+        </p:nvSpPr>
+        <p:spPr>
+          <a:xfrm>
+            <a:off x="838200" y="365125"/>
+            <a:ext cx="9477777" cy="1325563"/>
+          </a:xfrm>
+        </p:spPr>
+        <p:txBody>
+          <a:bodyPr>
+            <a:noAutofit/>
+          </a:bodyPr>
+          <a:lstStyle/>
+          <a:p>
+            <a:r>
+              <a:rPr lang="cs-CZ" sz="3600" dirty="0" smtClean="0"/>
+              <a:t>Jaká je výhoda RESP formátu oproti zmiňovanému protokolu </a:t>
+            </a:r>
+            <a:r>
+              <a:rPr lang="cs-CZ" sz="3600" dirty="0" err="1" smtClean="0"/>
+              <a:t>Weave</a:t>
+            </a:r>
+            <a:r>
+              <a:rPr lang="cs-CZ" sz="3600" dirty="0" smtClean="0"/>
+              <a:t>?</a:t>
+            </a:r>
+            <a:endParaRPr lang="cs-CZ" sz="3600" dirty="0"/>
+          </a:p>
+        </p:txBody>
+      </p:sp>
+      <p:sp>
+        <p:nvSpPr>
+          <p:cNvPr id="3" name="Content Placeholder 2"/>
+          <p:cNvSpPr>
+            <a:spLocks noGrp="1"/>
+          </p:cNvSpPr>
+          <p:nvPr>
+            <p:ph idx="1"/>
+          </p:nvPr>
+        </p:nvSpPr>
+        <p:spPr/>
+        <p:txBody>
+          <a:bodyPr/>
+          <a:lstStyle/>
+          <a:p>
+            <a:pPr marL="0" indent="0">
+              <a:buNone/>
+            </a:pPr>
+            <a:endParaRPr lang="cs-CZ" dirty="0" smtClean="0"/>
+          </a:p>
+          <a:p>
+            <a:pPr marL="0" indent="0">
+              <a:buNone/>
+            </a:pPr>
+            <a:endParaRPr lang="cs-CZ" dirty="0" smtClean="0"/>
+          </a:p>
+          <a:p>
+            <a:pPr marL="0" indent="0">
+              <a:buNone/>
+            </a:pPr>
+            <a:r>
+              <a:rPr lang="cs-CZ" dirty="0" smtClean="0"/>
+              <a:t>	*3</a:t>
+            </a:r>
+            <a:r>
+              <a:rPr lang="cs-CZ" dirty="0" smtClean="0">
+                <a:solidFill>
+                  <a:schemeClr val="bg1">
+                    <a:lumMod val="65000"/>
+                  </a:schemeClr>
+                </a:solidFill>
+              </a:rPr>
+              <a:t>\r\n</a:t>
+            </a:r>
+            <a:r>
+              <a:rPr lang="cs-CZ" dirty="0" smtClean="0"/>
+              <a:t>$3</a:t>
+            </a:r>
+            <a:r>
+              <a:rPr lang="cs-CZ" dirty="0" smtClean="0">
+                <a:solidFill>
+                  <a:schemeClr val="bg1">
+                    <a:lumMod val="65000"/>
+                  </a:schemeClr>
+                </a:solidFill>
+              </a:rPr>
+              <a:t>\r\</a:t>
+            </a:r>
+            <a:r>
+              <a:rPr lang="cs-CZ" dirty="0" err="1" smtClean="0">
+                <a:solidFill>
+                  <a:schemeClr val="bg1">
+                    <a:lumMod val="65000"/>
+                  </a:schemeClr>
+                </a:solidFill>
+              </a:rPr>
+              <a:t>n</a:t>
+            </a:r>
+            <a:r>
+              <a:rPr lang="cs-CZ" dirty="0" err="1" smtClean="0"/>
+              <a:t>SET</a:t>
+            </a:r>
+            <a:r>
+              <a:rPr lang="cs-CZ" dirty="0" smtClean="0">
+                <a:solidFill>
+                  <a:schemeClr val="bg1">
+                    <a:lumMod val="65000"/>
+                  </a:schemeClr>
+                </a:solidFill>
+              </a:rPr>
+              <a:t>\r\n</a:t>
+            </a:r>
+            <a:r>
+              <a:rPr lang="cs-CZ" dirty="0" smtClean="0"/>
+              <a:t>$3</a:t>
+            </a:r>
+            <a:r>
+              <a:rPr lang="cs-CZ" dirty="0" smtClean="0">
+                <a:solidFill>
+                  <a:schemeClr val="bg1">
+                    <a:lumMod val="65000"/>
+                  </a:schemeClr>
+                </a:solidFill>
+              </a:rPr>
+              <a:t>\r\</a:t>
+            </a:r>
+            <a:r>
+              <a:rPr lang="cs-CZ" dirty="0" err="1" smtClean="0">
+                <a:solidFill>
+                  <a:schemeClr val="bg1">
+                    <a:lumMod val="65000"/>
+                  </a:schemeClr>
+                </a:solidFill>
+              </a:rPr>
+              <a:t>n</a:t>
+            </a:r>
+            <a:r>
+              <a:rPr lang="cs-CZ" dirty="0" err="1" smtClean="0"/>
+              <a:t>key</a:t>
+            </a:r>
+            <a:r>
+              <a:rPr lang="cs-CZ" dirty="0" smtClean="0">
+                <a:solidFill>
+                  <a:schemeClr val="bg1">
+                    <a:lumMod val="65000"/>
+                  </a:schemeClr>
+                </a:solidFill>
+              </a:rPr>
+              <a:t>\r\n</a:t>
+            </a:r>
+            <a:r>
+              <a:rPr lang="cs-CZ" dirty="0" smtClean="0"/>
+              <a:t>$5</a:t>
+            </a:r>
+            <a:r>
+              <a:rPr lang="cs-CZ" dirty="0" smtClean="0">
+                <a:solidFill>
+                  <a:schemeClr val="bg1">
+                    <a:lumMod val="65000"/>
+                  </a:schemeClr>
+                </a:solidFill>
+              </a:rPr>
+              <a:t>\r\</a:t>
+            </a:r>
+            <a:r>
+              <a:rPr lang="cs-CZ" dirty="0" err="1" smtClean="0">
+                <a:solidFill>
+                  <a:schemeClr val="bg1">
+                    <a:lumMod val="65000"/>
+                  </a:schemeClr>
+                </a:solidFill>
+              </a:rPr>
+              <a:t>n</a:t>
+            </a:r>
+            <a:r>
+              <a:rPr lang="cs-CZ" dirty="0" err="1" smtClean="0"/>
+              <a:t>xxxxx</a:t>
+            </a:r>
+            <a:r>
+              <a:rPr lang="cs-CZ" dirty="0" smtClean="0">
+                <a:solidFill>
+                  <a:schemeClr val="bg1">
+                    <a:lumMod val="65000"/>
+                  </a:schemeClr>
+                </a:solidFill>
+              </a:rPr>
+              <a:t>\r\n</a:t>
+            </a:r>
+          </a:p>
+          <a:p>
+            <a:pPr marL="0" indent="0">
+              <a:buNone/>
+            </a:pPr>
+            <a:endParaRPr lang="cs-CZ" dirty="0">
+              <a:solidFill>
+                <a:schemeClr val="bg1">
+                  <a:lumMod val="65000"/>
+                </a:schemeClr>
+              </a:solidFill>
+            </a:endParaRPr>
+          </a:p>
+          <a:p>
+            <a:pPr marL="0" indent="0">
+              <a:buNone/>
+            </a:pPr>
+            <a:endParaRPr lang="cs-CZ" dirty="0" smtClean="0">
+              <a:solidFill>
+                <a:schemeClr val="bg1">
+                  <a:lumMod val="65000"/>
+                </a:schemeClr>
+              </a:solidFill>
+            </a:endParaRPr>
+          </a:p>
+          <a:p>
+            <a:pPr marL="0" indent="0">
+              <a:buNone/>
+            </a:pPr>
+            <a:endParaRPr lang="cs-CZ" dirty="0" smtClean="0"/>
+          </a:p>
+          <a:p>
+            <a:pPr marL="0" indent="0">
+              <a:buNone/>
+            </a:pPr>
+            <a:r>
+              <a:rPr lang="cs-CZ" dirty="0"/>
+              <a:t>	</a:t>
+            </a:r>
+            <a:r>
+              <a:rPr lang="cs-CZ" dirty="0" smtClean="0"/>
+              <a:t>*</a:t>
+            </a:r>
+            <a:r>
+              <a:rPr lang="cs-CZ" dirty="0"/>
+              <a:t>2</a:t>
+            </a:r>
+            <a:r>
+              <a:rPr lang="cs-CZ" dirty="0">
+                <a:solidFill>
+                  <a:schemeClr val="bg1">
+                    <a:lumMod val="65000"/>
+                  </a:schemeClr>
+                </a:solidFill>
+              </a:rPr>
+              <a:t>\r\n</a:t>
+            </a:r>
+            <a:r>
+              <a:rPr lang="cs-CZ" dirty="0"/>
+              <a:t>$3</a:t>
+            </a:r>
+            <a:r>
+              <a:rPr lang="cs-CZ" dirty="0">
+                <a:solidFill>
+                  <a:schemeClr val="bg1">
+                    <a:lumMod val="65000"/>
+                  </a:schemeClr>
+                </a:solidFill>
+              </a:rPr>
+              <a:t>\r\</a:t>
+            </a:r>
+            <a:r>
+              <a:rPr lang="cs-CZ" dirty="0" err="1">
+                <a:solidFill>
+                  <a:schemeClr val="bg1">
+                    <a:lumMod val="65000"/>
+                  </a:schemeClr>
+                </a:solidFill>
+              </a:rPr>
+              <a:t>n</a:t>
+            </a:r>
+            <a:r>
+              <a:rPr lang="cs-CZ" dirty="0" err="1"/>
+              <a:t>GET</a:t>
+            </a:r>
+            <a:r>
+              <a:rPr lang="cs-CZ" dirty="0">
+                <a:solidFill>
+                  <a:schemeClr val="bg1">
+                    <a:lumMod val="65000"/>
+                  </a:schemeClr>
+                </a:solidFill>
+              </a:rPr>
+              <a:t>\r\n</a:t>
+            </a:r>
+            <a:r>
+              <a:rPr lang="cs-CZ" dirty="0"/>
+              <a:t>$3</a:t>
+            </a:r>
+            <a:r>
+              <a:rPr lang="cs-CZ" dirty="0">
+                <a:solidFill>
+                  <a:schemeClr val="bg1">
+                    <a:lumMod val="65000"/>
+                  </a:schemeClr>
+                </a:solidFill>
+              </a:rPr>
+              <a:t>\r\</a:t>
+            </a:r>
+            <a:r>
+              <a:rPr lang="cs-CZ" dirty="0" err="1">
+                <a:solidFill>
+                  <a:schemeClr val="bg1">
+                    <a:lumMod val="65000"/>
+                  </a:schemeClr>
+                </a:solidFill>
+              </a:rPr>
+              <a:t>n</a:t>
+            </a:r>
+            <a:r>
+              <a:rPr lang="cs-CZ" dirty="0" err="1"/>
+              <a:t>key</a:t>
+            </a:r>
+            <a:r>
+              <a:rPr lang="cs-CZ" dirty="0">
+                <a:solidFill>
+                  <a:schemeClr val="bg1">
+                    <a:lumMod val="65000"/>
+                  </a:schemeClr>
+                </a:solidFill>
+              </a:rPr>
+              <a:t>\r\n</a:t>
+            </a:r>
+          </a:p>
+        </p:txBody>
+      </p:sp>
+      <p:cxnSp>
+        <p:nvCxnSpPr>
+          <p:cNvPr id="5" name="Straight Connector 4"/>
+          <p:cNvCxnSpPr/>
+          <p:nvPr/>
+        </p:nvCxnSpPr>
+        <p:spPr>
+          <a:xfrm>
+            <a:off x="2756079" y="3325969"/>
+            <a:ext cx="1996226" cy="0"/>
+          </a:xfrm>
+          <a:prstGeom prst="line">
+            <a:avLst/>
+          </a:prstGeom>
+          <a:ln w="57150">
+            <a:solidFill>
+              <a:srgbClr val="FF0000"/>
+            </a:solidFill>
+          </a:ln>
+        </p:spPr>
+        <p:style>
+          <a:lnRef idx="1">
+            <a:schemeClr val="accent1"/>
+          </a:lnRef>
+          <a:fillRef idx="0">
+            <a:schemeClr val="accent1"/>
+          </a:fillRef>
+          <a:effectRef idx="0">
+            <a:schemeClr val="accent1"/>
+          </a:effectRef>
+          <a:fontRef idx="minor">
+            <a:schemeClr val="tx1"/>
+          </a:fontRef>
+        </p:style>
+      </p:cxnSp>
+      <p:cxnSp>
+        <p:nvCxnSpPr>
+          <p:cNvPr id="6" name="Straight Connector 5"/>
+          <p:cNvCxnSpPr/>
+          <p:nvPr/>
+        </p:nvCxnSpPr>
+        <p:spPr>
+          <a:xfrm>
+            <a:off x="4752305" y="3325969"/>
+            <a:ext cx="1996226" cy="0"/>
+          </a:xfrm>
+          <a:prstGeom prst="line">
+            <a:avLst/>
+          </a:prstGeom>
+          <a:ln w="57150">
+            <a:solidFill>
+              <a:srgbClr val="FFC000"/>
+            </a:solidFill>
+          </a:ln>
+        </p:spPr>
+        <p:style>
+          <a:lnRef idx="1">
+            <a:schemeClr val="accent1"/>
+          </a:lnRef>
+          <a:fillRef idx="0">
+            <a:schemeClr val="accent1"/>
+          </a:fillRef>
+          <a:effectRef idx="0">
+            <a:schemeClr val="accent1"/>
+          </a:effectRef>
+          <a:fontRef idx="minor">
+            <a:schemeClr val="tx1"/>
+          </a:fontRef>
+        </p:style>
+      </p:cxnSp>
+      <p:cxnSp>
+        <p:nvCxnSpPr>
+          <p:cNvPr id="7" name="Straight Connector 6"/>
+          <p:cNvCxnSpPr/>
+          <p:nvPr/>
+        </p:nvCxnSpPr>
+        <p:spPr>
+          <a:xfrm>
+            <a:off x="6748531" y="3325969"/>
+            <a:ext cx="2266680" cy="0"/>
+          </a:xfrm>
+          <a:prstGeom prst="line">
+            <a:avLst/>
+          </a:prstGeom>
+          <a:ln w="57150">
+            <a:solidFill>
+              <a:srgbClr val="92D050"/>
+            </a:solidFill>
+          </a:ln>
+        </p:spPr>
+        <p:style>
+          <a:lnRef idx="1">
+            <a:schemeClr val="accent1"/>
+          </a:lnRef>
+          <a:fillRef idx="0">
+            <a:schemeClr val="accent1"/>
+          </a:fillRef>
+          <a:effectRef idx="0">
+            <a:schemeClr val="accent1"/>
+          </a:effectRef>
+          <a:fontRef idx="minor">
+            <a:schemeClr val="tx1"/>
+          </a:fontRef>
+        </p:style>
+      </p:cxnSp>
+      <p:sp>
+        <p:nvSpPr>
+          <p:cNvPr id="9" name="TextBox 8"/>
+          <p:cNvSpPr txBox="1"/>
+          <p:nvPr/>
+        </p:nvSpPr>
+        <p:spPr>
+          <a:xfrm>
+            <a:off x="3979571" y="3429000"/>
+            <a:ext cx="772733" cy="523220"/>
+          </a:xfrm>
+          <a:prstGeom prst="rect">
+            <a:avLst/>
+          </a:prstGeom>
+          <a:noFill/>
+        </p:spPr>
+        <p:txBody>
+          <a:bodyPr wrap="square" rtlCol="0">
+            <a:spAutoFit/>
+          </a:bodyPr>
+          <a:lstStyle/>
+          <a:p>
+            <a:r>
+              <a:rPr lang="cs-CZ" sz="2800" b="1" dirty="0" smtClean="0">
+                <a:solidFill>
+                  <a:srgbClr val="FF0000"/>
+                </a:solidFill>
+                <a:latin typeface="Segoe UI Light" panose="020B0502040204020203" pitchFamily="34" charset="0"/>
+                <a:cs typeface="Segoe UI Light" panose="020B0502040204020203" pitchFamily="34" charset="0"/>
+              </a:rPr>
+              <a:t>SET</a:t>
+            </a:r>
+            <a:endParaRPr lang="cs-CZ" sz="2800" b="1" dirty="0">
+              <a:solidFill>
+                <a:srgbClr val="FF0000"/>
+              </a:solidFill>
+              <a:latin typeface="Segoe UI Light" panose="020B0502040204020203" pitchFamily="34" charset="0"/>
+              <a:cs typeface="Segoe UI Light" panose="020B0502040204020203" pitchFamily="34" charset="0"/>
+            </a:endParaRPr>
+          </a:p>
+        </p:txBody>
+      </p:sp>
+      <p:sp>
+        <p:nvSpPr>
+          <p:cNvPr id="10" name="TextBox 9"/>
+          <p:cNvSpPr txBox="1"/>
+          <p:nvPr/>
+        </p:nvSpPr>
+        <p:spPr>
+          <a:xfrm>
+            <a:off x="5364051" y="3429000"/>
+            <a:ext cx="772733" cy="523220"/>
+          </a:xfrm>
+          <a:prstGeom prst="rect">
+            <a:avLst/>
+          </a:prstGeom>
+          <a:noFill/>
+        </p:spPr>
+        <p:txBody>
+          <a:bodyPr wrap="square" rtlCol="0">
+            <a:spAutoFit/>
+          </a:bodyPr>
+          <a:lstStyle/>
+          <a:p>
+            <a:r>
+              <a:rPr lang="cs-CZ" sz="2800" b="1" dirty="0" err="1" smtClean="0">
+                <a:solidFill>
+                  <a:srgbClr val="FFC000"/>
+                </a:solidFill>
+                <a:latin typeface="Segoe UI Light" panose="020B0502040204020203" pitchFamily="34" charset="0"/>
+                <a:cs typeface="Segoe UI Light" panose="020B0502040204020203" pitchFamily="34" charset="0"/>
+              </a:rPr>
+              <a:t>key</a:t>
+            </a:r>
+            <a:endParaRPr lang="cs-CZ" sz="2800" b="1" dirty="0">
+              <a:solidFill>
+                <a:srgbClr val="FFC000"/>
+              </a:solidFill>
+              <a:latin typeface="Segoe UI Light" panose="020B0502040204020203" pitchFamily="34" charset="0"/>
+              <a:cs typeface="Segoe UI Light" panose="020B0502040204020203" pitchFamily="34" charset="0"/>
+            </a:endParaRPr>
+          </a:p>
+        </p:txBody>
+      </p:sp>
+      <p:sp>
+        <p:nvSpPr>
+          <p:cNvPr id="11" name="TextBox 10"/>
+          <p:cNvSpPr txBox="1"/>
+          <p:nvPr/>
+        </p:nvSpPr>
+        <p:spPr>
+          <a:xfrm>
+            <a:off x="6748531" y="3429000"/>
+            <a:ext cx="1086118" cy="523220"/>
+          </a:xfrm>
+          <a:prstGeom prst="rect">
+            <a:avLst/>
+          </a:prstGeom>
+          <a:noFill/>
+        </p:spPr>
+        <p:txBody>
+          <a:bodyPr wrap="square" rtlCol="0">
+            <a:spAutoFit/>
+          </a:bodyPr>
+          <a:lstStyle/>
+          <a:p>
+            <a:r>
+              <a:rPr lang="cs-CZ" sz="2800" b="1" dirty="0" err="1" smtClean="0">
+                <a:solidFill>
+                  <a:srgbClr val="92D050"/>
+                </a:solidFill>
+                <a:latin typeface="Segoe UI Light" panose="020B0502040204020203" pitchFamily="34" charset="0"/>
+                <a:cs typeface="Segoe UI Light" panose="020B0502040204020203" pitchFamily="34" charset="0"/>
+              </a:rPr>
+              <a:t>xxxxx</a:t>
+            </a:r>
+            <a:endParaRPr lang="cs-CZ" sz="2800" b="1" dirty="0">
+              <a:solidFill>
+                <a:srgbClr val="92D050"/>
+              </a:solidFill>
+              <a:latin typeface="Segoe UI Light" panose="020B0502040204020203" pitchFamily="34" charset="0"/>
+              <a:cs typeface="Segoe UI Light" panose="020B0502040204020203" pitchFamily="34" charset="0"/>
+            </a:endParaRPr>
+          </a:p>
+        </p:txBody>
+      </p:sp>
+      <p:cxnSp>
+        <p:nvCxnSpPr>
+          <p:cNvPr id="12" name="Straight Connector 11"/>
+          <p:cNvCxnSpPr/>
+          <p:nvPr/>
+        </p:nvCxnSpPr>
+        <p:spPr>
+          <a:xfrm flipV="1">
+            <a:off x="2756079" y="5383369"/>
+            <a:ext cx="2099256" cy="1074"/>
+          </a:xfrm>
+          <a:prstGeom prst="line">
+            <a:avLst/>
+          </a:prstGeom>
+          <a:ln w="57150">
+            <a:solidFill>
+              <a:srgbClr val="FF0000"/>
+            </a:solidFill>
+          </a:ln>
+        </p:spPr>
+        <p:style>
+          <a:lnRef idx="1">
+            <a:schemeClr val="accent1"/>
+          </a:lnRef>
+          <a:fillRef idx="0">
+            <a:schemeClr val="accent1"/>
+          </a:fillRef>
+          <a:effectRef idx="0">
+            <a:schemeClr val="accent1"/>
+          </a:effectRef>
+          <a:fontRef idx="minor">
+            <a:schemeClr val="tx1"/>
+          </a:fontRef>
+        </p:style>
+      </p:cxnSp>
+      <p:cxnSp>
+        <p:nvCxnSpPr>
+          <p:cNvPr id="15" name="Straight Connector 14"/>
+          <p:cNvCxnSpPr/>
+          <p:nvPr/>
+        </p:nvCxnSpPr>
+        <p:spPr>
+          <a:xfrm>
+            <a:off x="4855335" y="5384442"/>
+            <a:ext cx="1996226" cy="0"/>
+          </a:xfrm>
+          <a:prstGeom prst="line">
+            <a:avLst/>
+          </a:prstGeom>
+          <a:ln w="57150">
+            <a:solidFill>
+              <a:srgbClr val="FFC000"/>
+            </a:solidFill>
+          </a:ln>
+        </p:spPr>
+        <p:style>
+          <a:lnRef idx="1">
+            <a:schemeClr val="accent1"/>
+          </a:lnRef>
+          <a:fillRef idx="0">
+            <a:schemeClr val="accent1"/>
+          </a:fillRef>
+          <a:effectRef idx="0">
+            <a:schemeClr val="accent1"/>
+          </a:effectRef>
+          <a:fontRef idx="minor">
+            <a:schemeClr val="tx1"/>
+          </a:fontRef>
+        </p:style>
+      </p:cxnSp>
+      <p:sp>
+        <p:nvSpPr>
+          <p:cNvPr id="16" name="TextBox 15"/>
+          <p:cNvSpPr txBox="1"/>
+          <p:nvPr/>
+        </p:nvSpPr>
+        <p:spPr>
+          <a:xfrm>
+            <a:off x="3979572" y="5383369"/>
+            <a:ext cx="875764" cy="523220"/>
+          </a:xfrm>
+          <a:prstGeom prst="rect">
+            <a:avLst/>
+          </a:prstGeom>
+          <a:noFill/>
+        </p:spPr>
+        <p:txBody>
+          <a:bodyPr wrap="square" rtlCol="0">
+            <a:spAutoFit/>
+          </a:bodyPr>
+          <a:lstStyle/>
+          <a:p>
+            <a:r>
+              <a:rPr lang="cs-CZ" sz="2800" b="1" dirty="0" smtClean="0">
+                <a:solidFill>
+                  <a:srgbClr val="FF0000"/>
+                </a:solidFill>
+                <a:latin typeface="Segoe UI Light" panose="020B0502040204020203" pitchFamily="34" charset="0"/>
+                <a:cs typeface="Segoe UI Light" panose="020B0502040204020203" pitchFamily="34" charset="0"/>
+              </a:rPr>
+              <a:t>GET</a:t>
+            </a:r>
+            <a:endParaRPr lang="cs-CZ" sz="2800" b="1" dirty="0">
+              <a:solidFill>
+                <a:srgbClr val="FF0000"/>
+              </a:solidFill>
+              <a:latin typeface="Segoe UI Light" panose="020B0502040204020203" pitchFamily="34" charset="0"/>
+              <a:cs typeface="Segoe UI Light" panose="020B0502040204020203" pitchFamily="34" charset="0"/>
+            </a:endParaRPr>
+          </a:p>
+        </p:txBody>
+      </p:sp>
+      <p:sp>
+        <p:nvSpPr>
+          <p:cNvPr id="17" name="TextBox 16"/>
+          <p:cNvSpPr txBox="1"/>
+          <p:nvPr/>
+        </p:nvSpPr>
+        <p:spPr>
+          <a:xfrm>
+            <a:off x="5364051" y="5383369"/>
+            <a:ext cx="772733" cy="523220"/>
+          </a:xfrm>
+          <a:prstGeom prst="rect">
+            <a:avLst/>
+          </a:prstGeom>
+          <a:noFill/>
+        </p:spPr>
+        <p:txBody>
+          <a:bodyPr wrap="square" rtlCol="0">
+            <a:spAutoFit/>
+          </a:bodyPr>
+          <a:lstStyle/>
+          <a:p>
+            <a:r>
+              <a:rPr lang="cs-CZ" sz="2800" b="1" dirty="0" err="1" smtClean="0">
+                <a:solidFill>
+                  <a:srgbClr val="FFC000"/>
+                </a:solidFill>
+                <a:latin typeface="Segoe UI Light" panose="020B0502040204020203" pitchFamily="34" charset="0"/>
+                <a:cs typeface="Segoe UI Light" panose="020B0502040204020203" pitchFamily="34" charset="0"/>
+              </a:rPr>
+              <a:t>key</a:t>
+            </a:r>
+            <a:endParaRPr lang="cs-CZ" sz="2800" b="1" dirty="0">
+              <a:solidFill>
+                <a:srgbClr val="FFC000"/>
+              </a:solidFill>
+              <a:latin typeface="Segoe UI Light" panose="020B0502040204020203" pitchFamily="34" charset="0"/>
+              <a:cs typeface="Segoe UI Light" panose="020B0502040204020203" pitchFamily="34" charset="0"/>
+            </a:endParaRPr>
+          </a:p>
+        </p:txBody>
+      </p:sp>
+      <p:cxnSp>
+        <p:nvCxnSpPr>
+          <p:cNvPr id="18" name="Straight Connector 17"/>
+          <p:cNvCxnSpPr/>
+          <p:nvPr/>
+        </p:nvCxnSpPr>
+        <p:spPr>
+          <a:xfrm>
+            <a:off x="1854558" y="3325969"/>
+            <a:ext cx="901521" cy="0"/>
+          </a:xfrm>
+          <a:prstGeom prst="line">
+            <a:avLst/>
+          </a:prstGeom>
+          <a:ln w="57150">
+            <a:solidFill>
+              <a:srgbClr val="2980B9"/>
+            </a:solidFill>
+          </a:ln>
+        </p:spPr>
+        <p:style>
+          <a:lnRef idx="1">
+            <a:schemeClr val="accent1"/>
+          </a:lnRef>
+          <a:fillRef idx="0">
+            <a:schemeClr val="accent1"/>
+          </a:fillRef>
+          <a:effectRef idx="0">
+            <a:schemeClr val="accent1"/>
+          </a:effectRef>
+          <a:fontRef idx="minor">
+            <a:schemeClr val="tx1"/>
+          </a:fontRef>
+        </p:style>
+      </p:cxnSp>
+      <p:cxnSp>
+        <p:nvCxnSpPr>
+          <p:cNvPr id="20" name="Straight Connector 19"/>
+          <p:cNvCxnSpPr/>
+          <p:nvPr/>
+        </p:nvCxnSpPr>
+        <p:spPr>
+          <a:xfrm>
+            <a:off x="1854558" y="5383369"/>
+            <a:ext cx="901521" cy="0"/>
+          </a:xfrm>
+          <a:prstGeom prst="line">
+            <a:avLst/>
+          </a:prstGeom>
+          <a:ln w="57150">
+            <a:solidFill>
+              <a:srgbClr val="2980B9"/>
+            </a:solidFill>
+          </a:ln>
+        </p:spPr>
+        <p:style>
+          <a:lnRef idx="1">
+            <a:schemeClr val="accent1"/>
+          </a:lnRef>
+          <a:fillRef idx="0">
+            <a:schemeClr val="accent1"/>
+          </a:fillRef>
+          <a:effectRef idx="0">
+            <a:schemeClr val="accent1"/>
+          </a:effectRef>
+          <a:fontRef idx="minor">
+            <a:schemeClr val="tx1"/>
+          </a:fontRef>
+        </p:style>
+      </p:cxnSp>
+    </p:spTree>
+    <p:extLst>
+      <p:ext uri="{BB962C8B-B14F-4D97-AF65-F5344CB8AC3E}">
+        <p14:creationId xmlns:p14="http://schemas.microsoft.com/office/powerpoint/2010/main" val="353278071"/>
+      </p:ext>
+    </p:extLst>
+  </p:cSld>
+  <p:clrMapOvr>
+    <a:masterClrMapping/>
+  </p:clrMapOvr>
+  <p:timing>
+    <p:tnLst>
+      <p:par>
+        <p:cTn id="1" dur="indefinite" restart="never" nodeType="tmRoot"/>
+      </p:par>
+    </p:tnLst>
+  </p:timing>
+</p:sld>
+</file>
+
+<file path=ppt/slides/slide12.xml><?xml version="1.0" encoding="utf-8"?>
+<p:sld xmlns:a="http://schemas.openxmlformats.org/drawingml/2006/main" xmlns:r="http://schemas.openxmlformats.org/officeDocument/2006/relationships" xmlns:p="http://schemas.openxmlformats.org/presentationml/2006/main">
+  <p:cSld>
+    <p:spTree>
+      <p:nvGrpSpPr>
+        <p:cNvPr id="1" name=""/>
+        <p:cNvGrpSpPr/>
+        <p:nvPr/>
+      </p:nvGrpSpPr>
+      <p:grpSpPr>
+        <a:xfrm>
+          <a:off x="0" y="0"/>
+          <a:ext cx="0" cy="0"/>
+          <a:chOff x="0" y="0"/>
+          <a:chExt cx="0" cy="0"/>
+        </a:xfrm>
+      </p:grpSpPr>
+      <p:sp>
+        <p:nvSpPr>
+          <p:cNvPr id="2" name="Title 1"/>
+          <p:cNvSpPr>
+            <a:spLocks noGrp="1"/>
+          </p:cNvSpPr>
+          <p:nvPr>
+            <p:ph type="title"/>
+          </p:nvPr>
+        </p:nvSpPr>
+        <p:spPr/>
+        <p:txBody>
+          <a:bodyPr>
+            <a:noAutofit/>
+          </a:bodyPr>
+          <a:lstStyle/>
+          <a:p>
+            <a:r>
+              <a:rPr lang="cs-CZ" sz="3600" dirty="0" smtClean="0"/>
+              <a:t>Něco o ovládání pomocí přenosu informace</a:t>
+            </a:r>
+            <a:endParaRPr lang="cs-CZ" sz="3600" dirty="0"/>
+          </a:p>
+        </p:txBody>
+      </p:sp>
+      <p:sp>
+        <p:nvSpPr>
+          <p:cNvPr id="3" name="Content Placeholder 2"/>
+          <p:cNvSpPr>
+            <a:spLocks noGrp="1"/>
+          </p:cNvSpPr>
+          <p:nvPr>
+            <p:ph idx="1"/>
+          </p:nvPr>
+        </p:nvSpPr>
+        <p:spPr/>
+        <p:txBody>
+          <a:bodyPr/>
+          <a:lstStyle/>
+          <a:p>
+            <a:endParaRPr lang="cs-CZ" dirty="0" smtClean="0"/>
+          </a:p>
+          <a:p>
+            <a:r>
+              <a:rPr lang="cs-CZ" dirty="0" smtClean="0"/>
+              <a:t>X</a:t>
+            </a:r>
+            <a:endParaRPr lang="cs-CZ" dirty="0"/>
+          </a:p>
+        </p:txBody>
+      </p:sp>
+      <p:pic>
+        <p:nvPicPr>
+          <p:cNvPr id="4" name="Picture 3"/>
+          <p:cNvPicPr>
+            <a:picLocks noChangeAspect="1"/>
+          </p:cNvPicPr>
+          <p:nvPr/>
+        </p:nvPicPr>
+        <p:blipFill>
+          <a:blip r:embed="rId2">
+            <a:extLst>
+              <a:ext uri="{28A0092B-C50C-407E-A947-70E740481C1C}">
+                <a14:useLocalDpi xmlns:a14="http://schemas.microsoft.com/office/drawing/2010/main" val="0"/>
+              </a:ext>
+            </a:extLst>
+          </a:blip>
+          <a:stretch>
+            <a:fillRect/>
+          </a:stretch>
+        </p:blipFill>
+        <p:spPr>
+          <a:xfrm>
+            <a:off x="6272220" y="2339421"/>
+            <a:ext cx="5649113" cy="3972479"/>
+          </a:xfrm>
+          <a:prstGeom prst="rect">
+            <a:avLst/>
+          </a:prstGeom>
+        </p:spPr>
+      </p:pic>
+    </p:spTree>
+    <p:extLst>
+      <p:ext uri="{BB962C8B-B14F-4D97-AF65-F5344CB8AC3E}">
+        <p14:creationId xmlns:p14="http://schemas.microsoft.com/office/powerpoint/2010/main" val="3619314025"/>
       </p:ext>
     </p:extLst>
   </p:cSld>
@@ -2088,7 +3554,12 @@
             <p:ph idx="1"/>
           </p:nvPr>
         </p:nvSpPr>
-        <p:spPr/>
+        <p:spPr>
+          <a:xfrm>
+            <a:off x="838200" y="1825625"/>
+            <a:ext cx="5221288" cy="4351338"/>
+          </a:xfrm>
+        </p:spPr>
         <p:txBody>
           <a:bodyPr/>
           <a:lstStyle/>
@@ -2096,9 +3567,16 @@
             <a:endParaRPr lang="cs-CZ" dirty="0" smtClean="0"/>
           </a:p>
           <a:p>
-            <a:r>
-              <a:rPr lang="cs-CZ" dirty="0" smtClean="0"/>
-              <a:t>Základní myšlenka a cíle práce</a:t>
+            <a:endParaRPr lang="cs-CZ" dirty="0" smtClean="0"/>
+          </a:p>
+          <a:p>
+            <a:r>
+              <a:rPr lang="cs-CZ" dirty="0" smtClean="0"/>
+              <a:t>Základní </a:t>
+            </a:r>
+            <a:r>
+              <a:rPr lang="cs-CZ" dirty="0" smtClean="0"/>
+              <a:t>myšlenka a cíle práce</a:t>
             </a:r>
           </a:p>
           <a:p>
@@ -2110,8 +3588,13 @@
           <a:p>
             <a:r>
               <a:rPr lang="cs-CZ" dirty="0"/>
-              <a:t>Konkrétní technické řešení</a:t>
-            </a:r>
+              <a:t>Konkrétní technické </a:t>
+            </a:r>
+            <a:r>
+              <a:rPr lang="cs-CZ" dirty="0" smtClean="0"/>
+              <a:t>řešení</a:t>
+            </a:r>
+            <a:endParaRPr lang="cs-CZ" dirty="0"/>
           </a:p>
           <a:p>
             <a:r>
@@ -2124,19 +3607,102 @@
               <a:rPr lang="cs-CZ" dirty="0" smtClean="0"/>
               <a:t>Závěr</a:t>
             </a:r>
-          </a:p>
-          <a:p>
-            <a:endParaRPr lang="cs-CZ" dirty="0"/>
-          </a:p>
-          <a:p>
-            <a:pPr marL="0" indent="0">
-              <a:buNone/>
-            </a:pPr>
-            <a:r>
-              <a:rPr lang="cs-CZ" dirty="0" smtClean="0"/>
-              <a:t>V průběhu obhajoby bude k vidění zjednodušená praktická ukázka</a:t>
-            </a:r>
-            <a:endParaRPr lang="cs-CZ" dirty="0"/>
+            <a:endParaRPr lang="cs-CZ" dirty="0" smtClean="0"/>
+          </a:p>
+        </p:txBody>
+      </p:sp>
+      <p:pic>
+        <p:nvPicPr>
+          <p:cNvPr id="7" name="Picture 6"/>
+          <p:cNvPicPr>
+            <a:picLocks noChangeAspect="1"/>
+          </p:cNvPicPr>
+          <p:nvPr/>
+        </p:nvPicPr>
+        <p:blipFill>
+          <a:blip r:embed="rId2">
+            <a:extLst>
+              <a:ext uri="{28A0092B-C50C-407E-A947-70E740481C1C}">
+                <a14:useLocalDpi xmlns:a14="http://schemas.microsoft.com/office/drawing/2010/main" val="0"/>
+              </a:ext>
+            </a:extLst>
+          </a:blip>
+          <a:stretch>
+            <a:fillRect/>
+          </a:stretch>
+        </p:blipFill>
+        <p:spPr>
+          <a:xfrm>
+            <a:off x="6320070" y="1906007"/>
+            <a:ext cx="5666135" cy="4270956"/>
+          </a:xfrm>
+          <a:prstGeom prst="rect">
+            <a:avLst/>
+          </a:prstGeom>
+        </p:spPr>
+      </p:pic>
+      <p:sp>
+        <p:nvSpPr>
+          <p:cNvPr id="8" name="TextBox 7"/>
+          <p:cNvSpPr txBox="1"/>
+          <p:nvPr/>
+        </p:nvSpPr>
+        <p:spPr>
+          <a:xfrm>
+            <a:off x="7614111" y="6176963"/>
+            <a:ext cx="3078051" cy="523220"/>
+          </a:xfrm>
+          <a:prstGeom prst="rect">
+            <a:avLst/>
+          </a:prstGeom>
+          <a:noFill/>
+        </p:spPr>
+        <p:txBody>
+          <a:bodyPr wrap="square" rtlCol="0">
+            <a:spAutoFit/>
+          </a:bodyPr>
+          <a:lstStyle/>
+          <a:p>
+            <a:pPr algn="ctr"/>
+            <a:r>
+              <a:rPr lang="cs-CZ" sz="1400" dirty="0" smtClean="0">
+                <a:latin typeface="Segoe UI Light" panose="020B0502040204020203" pitchFamily="34" charset="0"/>
+                <a:cs typeface="Segoe UI Light" panose="020B0502040204020203" pitchFamily="34" charset="0"/>
+              </a:rPr>
+              <a:t>Stavový diagram TCP</a:t>
+            </a:r>
+            <a:endParaRPr lang="cs-CZ" sz="1400" dirty="0" smtClean="0">
+              <a:latin typeface="Segoe UI Light" panose="020B0502040204020203" pitchFamily="34" charset="0"/>
+              <a:cs typeface="Segoe UI Light" panose="020B0502040204020203" pitchFamily="34" charset="0"/>
+            </a:endParaRPr>
+          </a:p>
+          <a:p>
+            <a:pPr algn="ctr"/>
+            <a:r>
+              <a:rPr lang="cs-CZ" sz="1400" dirty="0" smtClean="0">
+                <a:latin typeface="Segoe UI Light" panose="020B0502040204020203" pitchFamily="34" charset="0"/>
+                <a:cs typeface="Segoe UI Light" panose="020B0502040204020203" pitchFamily="34" charset="0"/>
+              </a:rPr>
+              <a:t>zdroj</a:t>
+            </a:r>
+            <a:r>
+              <a:rPr lang="cs-CZ" sz="1400" dirty="0">
+                <a:latin typeface="Segoe UI Light" panose="020B0502040204020203" pitchFamily="34" charset="0"/>
+                <a:cs typeface="Segoe UI Light" panose="020B0502040204020203" pitchFamily="34" charset="0"/>
+              </a:rPr>
+              <a:t>: </a:t>
+            </a:r>
+            <a:r>
+              <a:rPr lang="cs-CZ" sz="1400" dirty="0">
+                <a:latin typeface="Segoe UI Light" panose="020B0502040204020203" pitchFamily="34" charset="0"/>
+                <a:cs typeface="Segoe UI Light" panose="020B0502040204020203" pitchFamily="34" charset="0"/>
+              </a:rPr>
+              <a:t>http://bit.ly/1KNNfym</a:t>
+            </a:r>
+            <a:endParaRPr lang="cs-CZ" sz="1400" dirty="0">
+              <a:latin typeface="Segoe UI Light" panose="020B0502040204020203" pitchFamily="34" charset="0"/>
+              <a:cs typeface="Segoe UI Light" panose="020B0502040204020203" pitchFamily="34" charset="0"/>
+            </a:endParaRPr>
           </a:p>
         </p:txBody>
       </p:sp>
@@ -2459,13 +4025,20 @@
             <a:endParaRPr lang="cs-CZ" dirty="0" smtClean="0"/>
           </a:p>
           <a:p>
+            <a:endParaRPr lang="cs-CZ" dirty="0" smtClean="0"/>
+          </a:p>
+          <a:p>
             <a:r>
               <a:rPr lang="cs-CZ" dirty="0" err="1" smtClean="0"/>
               <a:t>Mikrokontroléry</a:t>
             </a:r>
             <a:r>
               <a:rPr lang="cs-CZ" dirty="0" smtClean="0"/>
-              <a:t> od </a:t>
+              <a:t> </a:t>
+            </a:r>
+            <a:r>
+              <a:rPr lang="cs-CZ" dirty="0" smtClean="0"/>
+              <a:t>od </a:t>
             </a:r>
             <a:r>
               <a:rPr lang="cs-CZ" dirty="0" err="1" smtClean="0"/>
@@ -2532,7 +4105,7 @@
         </p:nvSpPr>
         <p:spPr>
           <a:xfrm>
-            <a:off x="3593206" y="1983350"/>
+            <a:off x="3618963" y="2446989"/>
             <a:ext cx="3767378" cy="369332"/>
           </a:xfrm>
           <a:prstGeom prst="rect">
@@ -2812,128 +4385,40 @@
           <a:chExt cx="0" cy="0"/>
         </a:xfrm>
       </p:grpSpPr>
-      <p:sp>
-        <p:nvSpPr>
-          <p:cNvPr id="2" name="Title 1"/>
-          <p:cNvSpPr>
-            <a:spLocks noGrp="1"/>
-          </p:cNvSpPr>
-          <p:nvPr>
-            <p:ph type="title"/>
-          </p:nvPr>
-        </p:nvSpPr>
-        <p:spPr/>
-        <p:txBody>
-          <a:bodyPr>
-            <a:normAutofit/>
-          </a:bodyPr>
-          <a:lstStyle/>
-          <a:p>
-            <a:r>
-              <a:rPr lang="cs-CZ" dirty="0" smtClean="0"/>
-              <a:t>Budoucí záměr a rozvoj sítě</a:t>
-            </a:r>
-            <a:endParaRPr lang="cs-CZ" dirty="0"/>
-          </a:p>
-        </p:txBody>
-      </p:sp>
-      <p:sp>
-        <p:nvSpPr>
-          <p:cNvPr id="3" name="Content Placeholder 2"/>
-          <p:cNvSpPr>
-            <a:spLocks noGrp="1"/>
-          </p:cNvSpPr>
-          <p:nvPr>
-            <p:ph idx="1"/>
-          </p:nvPr>
-        </p:nvSpPr>
-        <p:spPr/>
-        <p:txBody>
-          <a:bodyPr/>
-          <a:lstStyle/>
-          <a:p>
-            <a:endParaRPr lang="cs-CZ" dirty="0" smtClean="0"/>
-          </a:p>
-          <a:p>
-            <a:r>
-              <a:rPr lang="cs-CZ" dirty="0" smtClean="0"/>
-              <a:t>Další koncové členy</a:t>
-            </a:r>
-          </a:p>
-          <a:p>
-            <a:r>
-              <a:rPr lang="cs-CZ" dirty="0" smtClean="0"/>
-              <a:t>IPv6, bezdrátový přenos (Wi-Fi, </a:t>
-            </a:r>
-            <a:r>
-              <a:rPr lang="cs-CZ" dirty="0" err="1" smtClean="0"/>
-              <a:t>Li-Fi</a:t>
-            </a:r>
-            <a:r>
-              <a:rPr lang="cs-CZ" dirty="0" smtClean="0"/>
-              <a:t>), zabezpečení</a:t>
-            </a:r>
-          </a:p>
-          <a:p>
-            <a:r>
-              <a:rPr lang="cs-CZ" dirty="0" smtClean="0"/>
-              <a:t>Praktická realizace </a:t>
-            </a:r>
-            <a:r>
-              <a:rPr lang="cs-CZ" dirty="0" smtClean="0"/>
-              <a:t>přístrojů</a:t>
-            </a:r>
-          </a:p>
-          <a:p>
-            <a:r>
-              <a:rPr lang="cs-CZ" dirty="0" smtClean="0"/>
-              <a:t>Projekt </a:t>
-            </a:r>
-            <a:r>
-              <a:rPr lang="cs-CZ" dirty="0" err="1" smtClean="0"/>
-              <a:t>Brillo</a:t>
-            </a:r>
-            <a:r>
-              <a:rPr lang="cs-CZ" dirty="0" smtClean="0"/>
-              <a:t> a protokol </a:t>
-            </a:r>
-            <a:r>
-              <a:rPr lang="cs-CZ" dirty="0" err="1" smtClean="0"/>
-              <a:t>Weave</a:t>
-            </a:r>
-            <a:r>
-              <a:rPr lang="cs-CZ" dirty="0" smtClean="0"/>
-              <a:t>?</a:t>
-            </a:r>
-            <a:endParaRPr lang="cs-CZ" dirty="0" smtClean="0"/>
-          </a:p>
-          <a:p>
-            <a:endParaRPr lang="cs-CZ" dirty="0" smtClean="0"/>
-          </a:p>
-          <a:p>
-            <a:r>
-              <a:rPr lang="cs-CZ" dirty="0" err="1" smtClean="0"/>
-              <a:t>Fog</a:t>
-            </a:r>
-            <a:r>
-              <a:rPr lang="cs-CZ" dirty="0" smtClean="0"/>
-              <a:t> </a:t>
-            </a:r>
-            <a:r>
-              <a:rPr lang="cs-CZ" dirty="0" err="1" smtClean="0"/>
-              <a:t>computing</a:t>
-            </a:r>
-            <a:r>
-              <a:rPr lang="cs-CZ" dirty="0" smtClean="0"/>
-              <a:t>? Celý systém je centralizovaný (server). Budoucnost však vidím v částečně decentralizovaném přístupu.</a:t>
-            </a:r>
-          </a:p>
-        </p:txBody>
-      </p:sp>
+      <p:pic>
+        <p:nvPicPr>
+          <p:cNvPr id="4" name="Picture 3"/>
+          <p:cNvPicPr>
+            <a:picLocks noChangeAspect="1"/>
+          </p:cNvPicPr>
+          <p:nvPr/>
+        </p:nvPicPr>
+        <p:blipFill>
+          <a:blip r:embed="rId2">
+            <a:extLst>
+              <a:ext uri="{28A0092B-C50C-407E-A947-70E740481C1C}">
+                <a14:useLocalDpi xmlns:a14="http://schemas.microsoft.com/office/drawing/2010/main" val="0"/>
+              </a:ext>
+            </a:extLst>
+          </a:blip>
+          <a:stretch>
+            <a:fillRect/>
+          </a:stretch>
+        </p:blipFill>
+        <p:spPr>
+          <a:xfrm>
+            <a:off x="0" y="-1"/>
+            <a:ext cx="12215448" cy="6709893"/>
+          </a:xfrm>
+          <a:prstGeom prst="rect">
+            <a:avLst/>
+          </a:prstGeom>
+        </p:spPr>
+      </p:pic>
     </p:spTree>
     <p:extLst>
       <p:ext uri="{BB962C8B-B14F-4D97-AF65-F5344CB8AC3E}">
-        <p14:creationId xmlns:p14="http://schemas.microsoft.com/office/powerpoint/2010/main" val="1266997653"/>
+        <p14:creationId xmlns:p14="http://schemas.microsoft.com/office/powerpoint/2010/main" val="1292758428"/>
       </p:ext>
     </p:extLst>
   </p:cSld>
@@ -2967,134 +4452,40 @@
           <a:chExt cx="0" cy="0"/>
         </a:xfrm>
       </p:grpSpPr>
-      <p:sp>
-        <p:nvSpPr>
-          <p:cNvPr id="2" name="Title 1"/>
-          <p:cNvSpPr>
-            <a:spLocks noGrp="1"/>
-          </p:cNvSpPr>
-          <p:nvPr>
-            <p:ph type="title"/>
-          </p:nvPr>
-        </p:nvSpPr>
-        <p:spPr/>
-        <p:txBody>
-          <a:bodyPr/>
-          <a:lstStyle/>
-          <a:p>
-            <a:r>
-              <a:rPr lang="cs-CZ" dirty="0" smtClean="0"/>
-              <a:t>Závěr</a:t>
-            </a:r>
-            <a:endParaRPr lang="cs-CZ" dirty="0"/>
-          </a:p>
-        </p:txBody>
-      </p:sp>
-      <p:sp>
-        <p:nvSpPr>
-          <p:cNvPr id="3" name="Content Placeholder 2"/>
-          <p:cNvSpPr>
-            <a:spLocks noGrp="1"/>
-          </p:cNvSpPr>
-          <p:nvPr>
-            <p:ph idx="1"/>
-          </p:nvPr>
-        </p:nvSpPr>
+      <p:pic>
+        <p:nvPicPr>
+          <p:cNvPr id="3" name="Picture 2"/>
+          <p:cNvPicPr>
+            <a:picLocks noChangeAspect="1"/>
+          </p:cNvPicPr>
+          <p:nvPr/>
+        </p:nvPicPr>
+        <p:blipFill>
+          <a:blip r:embed="rId2">
+            <a:extLst>
+              <a:ext uri="{28A0092B-C50C-407E-A947-70E740481C1C}">
+                <a14:useLocalDpi xmlns:a14="http://schemas.microsoft.com/office/drawing/2010/main" val="0"/>
+              </a:ext>
+            </a:extLst>
+          </a:blip>
+          <a:stretch>
+            <a:fillRect/>
+          </a:stretch>
+        </p:blipFill>
         <p:spPr>
           <a:xfrm>
-            <a:off x="838200" y="1690688"/>
-            <a:ext cx="10515600" cy="4697233"/>
+            <a:off x="-1490285" y="0"/>
+            <a:ext cx="15172569" cy="6858000"/>
           </a:xfrm>
+          <a:prstGeom prst="rect">
+            <a:avLst/>
+          </a:prstGeom>
         </p:spPr>
-        <p:txBody>
-          <a:bodyPr>
-            <a:normAutofit/>
-          </a:bodyPr>
-          <a:lstStyle/>
-          <a:p>
-            <a:endParaRPr lang="cs-CZ" dirty="0" smtClean="0"/>
-          </a:p>
-          <a:p>
-            <a:r>
-              <a:rPr lang="cs-CZ" dirty="0" smtClean="0"/>
-              <a:t>Tento projekt zvyšuje pohodlí v domácnosti</a:t>
-            </a:r>
-          </a:p>
-          <a:p>
-            <a:r>
-              <a:rPr lang="cs-CZ" dirty="0" smtClean="0">
-                <a:solidFill>
-                  <a:schemeClr val="bg1">
-                    <a:lumMod val="85000"/>
-                  </a:schemeClr>
-                </a:solidFill>
-              </a:rPr>
-              <a:t>(</a:t>
-            </a:r>
-            <a:r>
-              <a:rPr lang="cs-CZ" strike="sngStrike" dirty="0" smtClean="0">
-                <a:solidFill>
-                  <a:schemeClr val="bg1">
-                    <a:lumMod val="85000"/>
-                  </a:schemeClr>
-                </a:solidFill>
-              </a:rPr>
-              <a:t>Šetří spotřebu elektrické energie</a:t>
-            </a:r>
-            <a:r>
-              <a:rPr lang="cs-CZ" dirty="0" smtClean="0">
-                <a:solidFill>
-                  <a:schemeClr val="bg1">
-                    <a:lumMod val="85000"/>
-                  </a:schemeClr>
-                </a:solidFill>
-              </a:rPr>
-              <a:t>)</a:t>
-            </a:r>
-          </a:p>
-          <a:p>
-            <a:r>
-              <a:rPr lang="cs-CZ" dirty="0" smtClean="0"/>
-              <a:t>Zavádí nový pohled na elektroinstalace objektů</a:t>
-            </a:r>
-          </a:p>
-          <a:p>
-            <a:r>
-              <a:rPr lang="cs-CZ" dirty="0" smtClean="0"/>
-              <a:t>Do dnešního dne bylo zpracováno více než </a:t>
-            </a:r>
-            <a:r>
-              <a:rPr lang="cs-CZ" b="1" dirty="0" smtClean="0"/>
-              <a:t>32 220 000</a:t>
-            </a:r>
-            <a:r>
-              <a:rPr lang="cs-CZ" dirty="0" smtClean="0"/>
-              <a:t> </a:t>
-            </a:r>
-            <a:r>
-              <a:rPr lang="cs-CZ" dirty="0" smtClean="0"/>
-              <a:t>požadavků bez větších technických komplikací</a:t>
-            </a:r>
-          </a:p>
-          <a:p>
-            <a:endParaRPr lang="cs-CZ" dirty="0"/>
-          </a:p>
-          <a:p>
-            <a:pPr marL="0" indent="0">
-              <a:buNone/>
-            </a:pPr>
-            <a:r>
-              <a:rPr lang="cs-CZ" dirty="0" smtClean="0"/>
-              <a:t>Největším nepřítelem tohoto projektu je obava ze spolehlivosti a určitá zdrženlivost. Nepovažuji však tento projekt za „hudbu“ vzdálené budoucnosti…</a:t>
-            </a:r>
-            <a:endParaRPr lang="cs-CZ" dirty="0"/>
-          </a:p>
-        </p:txBody>
-      </p:sp>
+      </p:pic>
     </p:spTree>
     <p:extLst>
       <p:ext uri="{BB962C8B-B14F-4D97-AF65-F5344CB8AC3E}">
-        <p14:creationId xmlns:p14="http://schemas.microsoft.com/office/powerpoint/2010/main" val="86289001"/>
+        <p14:creationId xmlns:p14="http://schemas.microsoft.com/office/powerpoint/2010/main" val="1333994950"/>
       </p:ext>
     </p:extLst>
   </p:cSld>
@@ -3135,28 +4526,287 @@
             <a:spLocks noGrp="1"/>
           </p:cNvSpPr>
           <p:nvPr>
-            <p:ph type="ctrTitle"/>
+            <p:ph type="title"/>
           </p:nvPr>
         </p:nvSpPr>
         <p:spPr/>
         <p:txBody>
           <a:bodyPr>
-            <a:noAutofit/>
+            <a:normAutofit/>
           </a:bodyPr>
           <a:lstStyle/>
           <a:p>
             <a:r>
-              <a:rPr lang="cs-CZ" sz="6600" dirty="0" smtClean="0"/>
-              <a:t>Děkuji za pozornost</a:t>
-            </a:r>
-            <a:endParaRPr lang="cs-CZ" sz="6600" dirty="0"/>
+              <a:rPr lang="cs-CZ" dirty="0" smtClean="0"/>
+              <a:t>Budoucí záměr a rozvoj sítě</a:t>
+            </a:r>
+            <a:endParaRPr lang="cs-CZ" dirty="0"/>
+          </a:p>
+        </p:txBody>
+      </p:sp>
+      <p:sp>
+        <p:nvSpPr>
+          <p:cNvPr id="3" name="Content Placeholder 2"/>
+          <p:cNvSpPr>
+            <a:spLocks noGrp="1"/>
+          </p:cNvSpPr>
+          <p:nvPr>
+            <p:ph idx="1"/>
+          </p:nvPr>
+        </p:nvSpPr>
+        <p:spPr/>
+        <p:txBody>
+          <a:bodyPr/>
+          <a:lstStyle/>
+          <a:p>
+            <a:endParaRPr lang="cs-CZ" dirty="0" smtClean="0"/>
+          </a:p>
+          <a:p>
+            <a:r>
+              <a:rPr lang="cs-CZ" dirty="0" smtClean="0"/>
+              <a:t>Další koncové členy</a:t>
+            </a:r>
+          </a:p>
+          <a:p>
+            <a:r>
+              <a:rPr lang="cs-CZ" dirty="0" smtClean="0"/>
+              <a:t>IPv6, bezdrátový přenos (Wi-Fi, </a:t>
+            </a:r>
+            <a:r>
+              <a:rPr lang="cs-CZ" dirty="0" err="1" smtClean="0"/>
+              <a:t>Li-Fi</a:t>
+            </a:r>
+            <a:r>
+              <a:rPr lang="cs-CZ" dirty="0" smtClean="0"/>
+              <a:t>), zabezpečení</a:t>
+            </a:r>
+          </a:p>
+          <a:p>
+            <a:r>
+              <a:rPr lang="cs-CZ" dirty="0" smtClean="0"/>
+              <a:t>Praktická realizace přístrojů</a:t>
+            </a:r>
+          </a:p>
+          <a:p>
+            <a:r>
+              <a:rPr lang="cs-CZ" dirty="0" smtClean="0"/>
+              <a:t>Projekt </a:t>
+            </a:r>
+            <a:r>
+              <a:rPr lang="cs-CZ" dirty="0" err="1" smtClean="0"/>
+              <a:t>Brillo</a:t>
+            </a:r>
+            <a:r>
+              <a:rPr lang="cs-CZ" dirty="0" smtClean="0"/>
+              <a:t> a protokol </a:t>
+            </a:r>
+            <a:r>
+              <a:rPr lang="cs-CZ" dirty="0" err="1" smtClean="0"/>
+              <a:t>Weave</a:t>
+            </a:r>
+            <a:r>
+              <a:rPr lang="cs-CZ" dirty="0" smtClean="0"/>
+              <a:t>?</a:t>
+            </a:r>
+          </a:p>
+          <a:p>
+            <a:endParaRPr lang="cs-CZ" dirty="0" smtClean="0"/>
+          </a:p>
+          <a:p>
+            <a:r>
+              <a:rPr lang="cs-CZ" dirty="0" err="1" smtClean="0"/>
+              <a:t>Fog</a:t>
+            </a:r>
+            <a:r>
+              <a:rPr lang="cs-CZ" dirty="0" smtClean="0"/>
+              <a:t> </a:t>
+            </a:r>
+            <a:r>
+              <a:rPr lang="cs-CZ" dirty="0" err="1" smtClean="0"/>
+              <a:t>computing</a:t>
+            </a:r>
+            <a:r>
+              <a:rPr lang="cs-CZ" dirty="0" smtClean="0"/>
+              <a:t>? Celý systém je centralizovaný (server). Budoucnost však vidím v částečně decentralizovaném přístupu.</a:t>
+            </a:r>
           </a:p>
         </p:txBody>
       </p:sp>
     </p:spTree>
     <p:extLst>
       <p:ext uri="{BB962C8B-B14F-4D97-AF65-F5344CB8AC3E}">
-        <p14:creationId xmlns:p14="http://schemas.microsoft.com/office/powerpoint/2010/main" val="4027560710"/>
+        <p14:creationId xmlns:p14="http://schemas.microsoft.com/office/powerpoint/2010/main" val="1266997653"/>
+      </p:ext>
+    </p:extLst>
+  </p:cSld>
+  <p:clrMapOvr>
+    <a:masterClrMapping/>
+  </p:clrMapOvr>
+  <p:timing>
+    <p:tnLst>
+      <p:par>
+        <p:cTn id="1" dur="indefinite" restart="never" nodeType="tmRoot"/>
+      </p:par>
+    </p:tnLst>
+  </p:timing>
+</p:sld>
+</file>
+
+<file path=ppt/slides/slide9.xml><?xml version="1.0" encoding="utf-8"?>
+<p:sld xmlns:a="http://schemas.openxmlformats.org/drawingml/2006/main" xmlns:r="http://schemas.openxmlformats.org/officeDocument/2006/relationships" xmlns:p="http://schemas.openxmlformats.org/presentationml/2006/main">
+  <p:cSld>
+    <p:spTree>
+      <p:nvGrpSpPr>
+        <p:cNvPr id="1" name=""/>
+        <p:cNvGrpSpPr/>
+        <p:nvPr/>
+      </p:nvGrpSpPr>
+      <p:grpSpPr>
+        <a:xfrm>
+          <a:off x="0" y="0"/>
+          <a:ext cx="0" cy="0"/>
+          <a:chOff x="0" y="0"/>
+          <a:chExt cx="0" cy="0"/>
+        </a:xfrm>
+      </p:grpSpPr>
+      <p:sp>
+        <p:nvSpPr>
+          <p:cNvPr id="2" name="Title 1"/>
+          <p:cNvSpPr>
+            <a:spLocks noGrp="1"/>
+          </p:cNvSpPr>
+          <p:nvPr>
+            <p:ph type="title"/>
+          </p:nvPr>
+        </p:nvSpPr>
+        <p:spPr/>
+        <p:txBody>
+          <a:bodyPr/>
+          <a:lstStyle/>
+          <a:p>
+            <a:r>
+              <a:rPr lang="cs-CZ" dirty="0" smtClean="0"/>
+              <a:t>Závěr</a:t>
+            </a:r>
+            <a:endParaRPr lang="cs-CZ" dirty="0"/>
+          </a:p>
+        </p:txBody>
+      </p:sp>
+      <p:sp>
+        <p:nvSpPr>
+          <p:cNvPr id="3" name="Content Placeholder 2"/>
+          <p:cNvSpPr>
+            <a:spLocks noGrp="1"/>
+          </p:cNvSpPr>
+          <p:nvPr>
+            <p:ph idx="1"/>
+          </p:nvPr>
+        </p:nvSpPr>
+        <p:spPr>
+          <a:xfrm>
+            <a:off x="838200" y="1690688"/>
+            <a:ext cx="10515600" cy="4697233"/>
+          </a:xfrm>
+        </p:spPr>
+        <p:txBody>
+          <a:bodyPr>
+            <a:normAutofit/>
+          </a:bodyPr>
+          <a:lstStyle/>
+          <a:p>
+            <a:endParaRPr lang="cs-CZ" dirty="0" smtClean="0"/>
+          </a:p>
+          <a:p>
+            <a:r>
+              <a:rPr lang="cs-CZ" dirty="0" smtClean="0"/>
+              <a:t>Tento projekt zvyšuje pohodlí v domácnosti</a:t>
+            </a:r>
+          </a:p>
+          <a:p>
+            <a:r>
+              <a:rPr lang="cs-CZ" dirty="0" smtClean="0"/>
+              <a:t>Zavádí </a:t>
+            </a:r>
+            <a:r>
+              <a:rPr lang="cs-CZ" dirty="0" smtClean="0"/>
+              <a:t>nový pohled na elektroinstalace objektů</a:t>
+            </a:r>
+          </a:p>
+          <a:p>
+            <a:r>
+              <a:rPr lang="cs-CZ" dirty="0" smtClean="0"/>
+              <a:t>Do dnešního dne bylo zpracováno více než </a:t>
+            </a:r>
+            <a:r>
+              <a:rPr lang="cs-CZ" b="1" dirty="0" smtClean="0"/>
+              <a:t>32 220 000</a:t>
+            </a:r>
+            <a:r>
+              <a:rPr lang="cs-CZ" dirty="0" smtClean="0"/>
+              <a:t> požadavků bez větších technických </a:t>
+            </a:r>
+            <a:r>
+              <a:rPr lang="cs-CZ" dirty="0" smtClean="0"/>
+              <a:t>komplikací</a:t>
+            </a:r>
+          </a:p>
+          <a:p>
+            <a:r>
+              <a:rPr lang="cs-CZ" dirty="0"/>
+              <a:t>Finále ABB University </a:t>
+            </a:r>
+            <a:r>
+              <a:rPr lang="cs-CZ" dirty="0" err="1"/>
+              <a:t>Award</a:t>
+            </a:r>
+            <a:r>
+              <a:rPr lang="cs-CZ" dirty="0"/>
+              <a:t> 2015 </a:t>
+            </a:r>
+            <a:r>
+              <a:rPr lang="cs-CZ" dirty="0">
+                <a:solidFill>
+                  <a:schemeClr val="bg1">
+                    <a:lumMod val="50000"/>
+                  </a:schemeClr>
+                </a:solidFill>
+              </a:rPr>
+              <a:t>(25. 6. 2015)</a:t>
+            </a:r>
+            <a:endParaRPr lang="cs-CZ" dirty="0" smtClean="0">
+              <a:solidFill>
+                <a:schemeClr val="bg1">
+                  <a:lumMod val="50000"/>
+                </a:schemeClr>
+              </a:solidFill>
+            </a:endParaRPr>
+          </a:p>
+          <a:p>
+            <a:pPr marL="0" indent="0">
+              <a:buNone/>
+            </a:pPr>
+            <a:endParaRPr lang="cs-CZ" dirty="0" smtClean="0"/>
+          </a:p>
+          <a:p>
+            <a:pPr marL="0" indent="0">
+              <a:buNone/>
+            </a:pPr>
+            <a:r>
+              <a:rPr lang="cs-CZ" dirty="0" smtClean="0"/>
+              <a:t>Největším </a:t>
+            </a:r>
+            <a:r>
+              <a:rPr lang="cs-CZ" dirty="0" smtClean="0"/>
+              <a:t>nepřítelem tohoto projektu je obava ze spolehlivosti a určitá zdrženlivost. Nepovažuji však tento projekt za „hudbu“ vzdálené budoucnosti…</a:t>
+            </a:r>
+            <a:endParaRPr lang="cs-CZ" dirty="0"/>
+          </a:p>
+        </p:txBody>
+      </p:sp>
+    </p:spTree>
+    <p:extLst>
+      <p:ext uri="{BB962C8B-B14F-4D97-AF65-F5344CB8AC3E}">
+        <p14:creationId xmlns:p14="http://schemas.microsoft.com/office/powerpoint/2010/main" val="86289001"/>
       </p:ext>
     </p:extLst>
   </p:cSld>
